--- a/03_HDFS_Teori/01_HDFS_Giris.pptx
+++ b/03_HDFS_Teori/01_HDFS_Giris.pptx
@@ -5,7 +5,7 @@
     <p:sldMasterId id="2147483648" r:id="rId1"/>
   </p:sldMasterIdLst>
   <p:notesMasterIdLst>
-    <p:notesMasterId r:id="rId15"/>
+    <p:notesMasterId r:id="rId16"/>
   </p:notesMasterIdLst>
   <p:sldIdLst>
     <p:sldId id="257" r:id="rId2"/>
@@ -14,13 +14,14 @@
     <p:sldId id="260" r:id="rId5"/>
     <p:sldId id="266" r:id="rId6"/>
     <p:sldId id="261" r:id="rId7"/>
-    <p:sldId id="275" r:id="rId8"/>
-    <p:sldId id="272" r:id="rId9"/>
-    <p:sldId id="269" r:id="rId10"/>
-    <p:sldId id="268" r:id="rId11"/>
-    <p:sldId id="270" r:id="rId12"/>
-    <p:sldId id="273" r:id="rId13"/>
-    <p:sldId id="274" r:id="rId14"/>
+    <p:sldId id="312" r:id="rId8"/>
+    <p:sldId id="275" r:id="rId9"/>
+    <p:sldId id="272" r:id="rId10"/>
+    <p:sldId id="269" r:id="rId11"/>
+    <p:sldId id="268" r:id="rId12"/>
+    <p:sldId id="270" r:id="rId13"/>
+    <p:sldId id="273" r:id="rId14"/>
+    <p:sldId id="274" r:id="rId15"/>
   </p:sldIdLst>
   <p:sldSz cx="12192000" cy="6858000"/>
   <p:notesSz cx="6858000" cy="9144000"/>
@@ -129,6 +130,22 @@
 
 <file path=ppt/changesInfos/changesInfo1.xml><?xml version="1.0" encoding="utf-8"?>
 <pc:chgInfo xmlns:a="http://schemas.openxmlformats.org/drawingml/2006/main" xmlns:r="http://schemas.openxmlformats.org/officeDocument/2006/relationships" xmlns:ac="http://schemas.microsoft.com/office/drawing/2013/main/command" xmlns:pc="http://schemas.microsoft.com/office/powerpoint/2013/main/command">
+  <pc:docChgLst>
+    <pc:chgData name="Erkan ŞİRİN" userId="7f10ce1d6aaf8c5d" providerId="LiveId" clId="{9B3FA1FA-5C87-4591-B2BB-14EC86D9A41E}"/>
+    <pc:docChg chg="addSld modSld">
+      <pc:chgData name="Erkan ŞİRİN" userId="7f10ce1d6aaf8c5d" providerId="LiveId" clId="{9B3FA1FA-5C87-4591-B2BB-14EC86D9A41E}" dt="2019-05-08T20:19:43.567" v="0"/>
+      <pc:docMkLst>
+        <pc:docMk/>
+      </pc:docMkLst>
+      <pc:sldChg chg="add">
+        <pc:chgData name="Erkan ŞİRİN" userId="7f10ce1d6aaf8c5d" providerId="LiveId" clId="{9B3FA1FA-5C87-4591-B2BB-14EC86D9A41E}" dt="2019-05-08T20:19:43.567" v="0"/>
+        <pc:sldMkLst>
+          <pc:docMk/>
+          <pc:sldMk cId="3783866877" sldId="312"/>
+        </pc:sldMkLst>
+      </pc:sldChg>
+    </pc:docChg>
+  </pc:docChgLst>
   <pc:docChgLst>
     <pc:chgData name="Erkan ŞİRİN" userId="7f10ce1d6aaf8c5d" providerId="LiveId" clId="{8D6CB8D6-50A2-450E-BC55-B2CF75FFBEBF}"/>
     <pc:docChg chg="custSel modSld">
@@ -618,7 +635,7 @@
           <a:p>
             <a:fld id="{6F77F576-AE14-466D-AA6B-335273622B21}" type="datetimeFigureOut">
               <a:rPr lang="en-US" smtClean="0"/>
-              <a:t>4/27/2019</a:t>
+              <a:t>5/8/2019</a:t>
             </a:fld>
             <a:endParaRPr lang="en-US"/>
           </a:p>
@@ -989,6 +1006,98 @@
       </p:grpSpPr>
       <p:sp>
         <p:nvSpPr>
+          <p:cNvPr id="2" name="Slide Image Placeholder 1"/>
+          <p:cNvSpPr>
+            <a:spLocks noGrp="1" noRot="1" noChangeAspect="1"/>
+          </p:cNvSpPr>
+          <p:nvPr>
+            <p:ph type="sldImg"/>
+          </p:nvPr>
+        </p:nvSpPr>
+        <p:spPr/>
+      </p:sp>
+      <p:sp>
+        <p:nvSpPr>
+          <p:cNvPr id="3" name="Notes Placeholder 2"/>
+          <p:cNvSpPr>
+            <a:spLocks noGrp="1"/>
+          </p:cNvSpPr>
+          <p:nvPr>
+            <p:ph type="body" idx="1"/>
+          </p:nvPr>
+        </p:nvSpPr>
+        <p:spPr/>
+        <p:txBody>
+          <a:bodyPr/>
+          <a:lstStyle/>
+          <a:p>
+            <a:r>
+              <a:rPr lang="en-US" dirty="0"/>
+              <a:t>Don’t worry too much about the details or math</a:t>
+            </a:r>
+            <a:r>
+              <a:rPr lang="en-US" baseline="0" dirty="0"/>
+              <a:t> on this slide. The purpose is to show that reading a file that is scaled across a cluster is obviously much faster than trying to read it on a single machine.</a:t>
+            </a:r>
+            <a:endParaRPr lang="en-US" dirty="0"/>
+          </a:p>
+        </p:txBody>
+      </p:sp>
+      <p:sp>
+        <p:nvSpPr>
+          <p:cNvPr id="4" name="Slide Number Placeholder 3"/>
+          <p:cNvSpPr>
+            <a:spLocks noGrp="1"/>
+          </p:cNvSpPr>
+          <p:nvPr>
+            <p:ph type="sldNum" sz="quarter" idx="10"/>
+          </p:nvPr>
+        </p:nvSpPr>
+        <p:spPr/>
+        <p:txBody>
+          <a:bodyPr/>
+          <a:lstStyle/>
+          <a:p>
+            <a:fld id="{2C1E8096-F329-7647-8BCC-856D6F856EB3}" type="slidenum">
+              <a:rPr lang="en-US" smtClean="0"/>
+              <a:t>7</a:t>
+            </a:fld>
+            <a:endParaRPr lang="en-US" dirty="0"/>
+          </a:p>
+        </p:txBody>
+      </p:sp>
+    </p:spTree>
+    <p:extLst>
+      <p:ext uri="{BB962C8B-B14F-4D97-AF65-F5344CB8AC3E}">
+        <p14:creationId xmlns:p14="http://schemas.microsoft.com/office/powerpoint/2010/main" val="3852196457"/>
+      </p:ext>
+    </p:extLst>
+  </p:cSld>
+  <p:clrMapOvr>
+    <a:masterClrMapping/>
+  </p:clrMapOvr>
+</p:notes>
+</file>
+
+<file path=ppt/notesSlides/notesSlide3.xml><?xml version="1.0" encoding="utf-8"?>
+<p:notes xmlns:a="http://schemas.openxmlformats.org/drawingml/2006/main" xmlns:r="http://schemas.openxmlformats.org/officeDocument/2006/relationships" xmlns:p="http://schemas.openxmlformats.org/presentationml/2006/main">
+  <p:cSld>
+    <p:spTree>
+      <p:nvGrpSpPr>
+        <p:cNvPr id="1" name=""/>
+        <p:cNvGrpSpPr/>
+        <p:nvPr/>
+      </p:nvGrpSpPr>
+      <p:grpSpPr>
+        <a:xfrm>
+          <a:off x="0" y="0"/>
+          <a:ext cx="0" cy="0"/>
+          <a:chOff x="0" y="0"/>
+          <a:chExt cx="0" cy="0"/>
+        </a:xfrm>
+      </p:grpSpPr>
+      <p:sp>
+        <p:nvSpPr>
           <p:cNvPr id="2" name="Slayt Görüntüsü Yer Tutucusu 1"/>
           <p:cNvSpPr>
             <a:spLocks noGrp="1" noRot="1" noChangeAspect="1"/>
@@ -1049,7 +1158,7 @@
           <a:p>
             <a:fld id="{1910BD3E-EF63-48CD-BA60-F7ED6F94ED18}" type="slidenum">
               <a:rPr lang="en-US" smtClean="0"/>
-              <a:t>10</a:t>
+              <a:t>11</a:t>
             </a:fld>
             <a:endParaRPr lang="en-US"/>
           </a:p>
@@ -1199,7 +1308,7 @@
           <a:p>
             <a:fld id="{54AA066D-271F-4C1A-B89A-0705A7689EE9}" type="datetimeFigureOut">
               <a:rPr lang="en-US" smtClean="0"/>
-              <a:t>4/27/2019</a:t>
+              <a:t>5/8/2019</a:t>
             </a:fld>
             <a:endParaRPr lang="en-US"/>
           </a:p>
@@ -1369,7 +1478,7 @@
           <a:p>
             <a:fld id="{54AA066D-271F-4C1A-B89A-0705A7689EE9}" type="datetimeFigureOut">
               <a:rPr lang="en-US" smtClean="0"/>
-              <a:t>4/27/2019</a:t>
+              <a:t>5/8/2019</a:t>
             </a:fld>
             <a:endParaRPr lang="en-US"/>
           </a:p>
@@ -1549,7 +1658,7 @@
           <a:p>
             <a:fld id="{54AA066D-271F-4C1A-B89A-0705A7689EE9}" type="datetimeFigureOut">
               <a:rPr lang="en-US" smtClean="0"/>
-              <a:t>4/27/2019</a:t>
+              <a:t>5/8/2019</a:t>
             </a:fld>
             <a:endParaRPr lang="en-US"/>
           </a:p>
@@ -1607,6 +1716,99 @@
   <p:clrMapOvr>
     <a:masterClrMapping/>
   </p:clrMapOvr>
+</p:sldLayout>
+</file>
+
+<file path=ppt/slideLayouts/slideLayout12.xml><?xml version="1.0" encoding="utf-8"?>
+<p:sldLayout xmlns:a="http://schemas.openxmlformats.org/drawingml/2006/main" xmlns:r="http://schemas.openxmlformats.org/officeDocument/2006/relationships" xmlns:p="http://schemas.openxmlformats.org/presentationml/2006/main">
+  <p:cSld name="Title Only">
+    <p:spTree>
+      <p:nvGrpSpPr>
+        <p:cNvPr id="1" name=""/>
+        <p:cNvGrpSpPr/>
+        <p:nvPr/>
+      </p:nvGrpSpPr>
+      <p:grpSpPr>
+        <a:xfrm>
+          <a:off x="0" y="0"/>
+          <a:ext cx="0" cy="0"/>
+          <a:chOff x="0" y="0"/>
+          <a:chExt cx="0" cy="0"/>
+        </a:xfrm>
+      </p:grpSpPr>
+      <p:sp>
+        <p:nvSpPr>
+          <p:cNvPr id="7" name="Title 1"/>
+          <p:cNvSpPr>
+            <a:spLocks noGrp="1"/>
+          </p:cNvSpPr>
+          <p:nvPr>
+            <p:ph type="ctrTitle" hasCustomPrompt="1"/>
+          </p:nvPr>
+        </p:nvSpPr>
+        <p:spPr bwMode="gray">
+          <a:xfrm>
+            <a:off x="701245" y="568029"/>
+            <a:ext cx="10972800" cy="392415"/>
+          </a:xfrm>
+          <a:prstGeom prst="rect">
+            <a:avLst/>
+          </a:prstGeom>
+          <a:noFill/>
+          <a:effectLst/>
+        </p:spPr>
+        <p:txBody>
+          <a:bodyPr wrap="square" lIns="0" tIns="0" rIns="0" bIns="0" anchor="ctr" anchorCtr="0">
+            <a:spAutoFit/>
+          </a:bodyPr>
+          <a:lstStyle>
+            <a:lvl1pPr marL="0" indent="0" algn="l" defTabSz="454007">
+              <a:lnSpc>
+                <a:spcPct val="85000"/>
+              </a:lnSpc>
+              <a:spcAft>
+                <a:spcPts val="0"/>
+              </a:spcAft>
+              <a:tabLst/>
+              <a:defRPr sz="3000" b="1" baseline="0">
+                <a:solidFill>
+                  <a:schemeClr val="tx1"/>
+                </a:solidFill>
+                <a:latin typeface="+mj-lt"/>
+                <a:cs typeface="Arial"/>
+              </a:defRPr>
+            </a:lvl1pPr>
+          </a:lstStyle>
+          <a:p>
+            <a:r>
+              <a:rPr lang="en-US" dirty="0"/>
+              <a:t>Title Goes Here</a:t>
+            </a:r>
+          </a:p>
+        </p:txBody>
+      </p:sp>
+    </p:spTree>
+    <p:extLst>
+      <p:ext uri="{BB962C8B-B14F-4D97-AF65-F5344CB8AC3E}">
+        <p14:creationId xmlns:p14="http://schemas.microsoft.com/office/powerpoint/2010/main" val="2095599729"/>
+      </p:ext>
+    </p:extLst>
+  </p:cSld>
+  <p:clrMapOvr>
+    <a:masterClrMapping/>
+  </p:clrMapOvr>
+  <mc:AlternateContent xmlns:mc="http://schemas.openxmlformats.org/markup-compatibility/2006" xmlns:p14="http://schemas.microsoft.com/office/powerpoint/2010/main">
+    <mc:Choice Requires="p14">
+      <p:transition spd="med" p14:dur="700">
+        <p:fade/>
+      </p:transition>
+    </mc:Choice>
+    <mc:Fallback xmlns="">
+      <p:transition spd="med">
+        <p:fade/>
+      </p:transition>
+    </mc:Fallback>
+  </mc:AlternateContent>
 </p:sldLayout>
 </file>
 
@@ -1719,7 +1921,7 @@
           <a:p>
             <a:fld id="{54AA066D-271F-4C1A-B89A-0705A7689EE9}" type="datetimeFigureOut">
               <a:rPr lang="en-US" smtClean="0"/>
-              <a:t>4/27/2019</a:t>
+              <a:t>5/8/2019</a:t>
             </a:fld>
             <a:endParaRPr lang="en-US"/>
           </a:p>
@@ -1965,7 +2167,7 @@
           <a:p>
             <a:fld id="{54AA066D-271F-4C1A-B89A-0705A7689EE9}" type="datetimeFigureOut">
               <a:rPr lang="en-US" smtClean="0"/>
-              <a:t>4/27/2019</a:t>
+              <a:t>5/8/2019</a:t>
             </a:fld>
             <a:endParaRPr lang="en-US"/>
           </a:p>
@@ -2197,7 +2399,7 @@
           <a:p>
             <a:fld id="{54AA066D-271F-4C1A-B89A-0705A7689EE9}" type="datetimeFigureOut">
               <a:rPr lang="en-US" smtClean="0"/>
-              <a:t>4/27/2019</a:t>
+              <a:t>5/8/2019</a:t>
             </a:fld>
             <a:endParaRPr lang="en-US"/>
           </a:p>
@@ -2564,7 +2766,7 @@
           <a:p>
             <a:fld id="{54AA066D-271F-4C1A-B89A-0705A7689EE9}" type="datetimeFigureOut">
               <a:rPr lang="en-US" smtClean="0"/>
-              <a:t>4/27/2019</a:t>
+              <a:t>5/8/2019</a:t>
             </a:fld>
             <a:endParaRPr lang="en-US"/>
           </a:p>
@@ -2682,7 +2884,7 @@
           <a:p>
             <a:fld id="{54AA066D-271F-4C1A-B89A-0705A7689EE9}" type="datetimeFigureOut">
               <a:rPr lang="en-US" smtClean="0"/>
-              <a:t>4/27/2019</a:t>
+              <a:t>5/8/2019</a:t>
             </a:fld>
             <a:endParaRPr lang="en-US"/>
           </a:p>
@@ -2777,7 +2979,7 @@
           <a:p>
             <a:fld id="{54AA066D-271F-4C1A-B89A-0705A7689EE9}" type="datetimeFigureOut">
               <a:rPr lang="en-US" smtClean="0"/>
-              <a:t>4/27/2019</a:t>
+              <a:t>5/8/2019</a:t>
             </a:fld>
             <a:endParaRPr lang="en-US"/>
           </a:p>
@@ -3054,7 +3256,7 @@
           <a:p>
             <a:fld id="{54AA066D-271F-4C1A-B89A-0705A7689EE9}" type="datetimeFigureOut">
               <a:rPr lang="en-US" smtClean="0"/>
-              <a:t>4/27/2019</a:t>
+              <a:t>5/8/2019</a:t>
             </a:fld>
             <a:endParaRPr lang="en-US"/>
           </a:p>
@@ -3307,7 +3509,7 @@
           <a:p>
             <a:fld id="{54AA066D-271F-4C1A-B89A-0705A7689EE9}" type="datetimeFigureOut">
               <a:rPr lang="en-US" smtClean="0"/>
-              <a:t>4/27/2019</a:t>
+              <a:t>5/8/2019</a:t>
             </a:fld>
             <a:endParaRPr lang="en-US"/>
           </a:p>
@@ -3520,7 +3722,7 @@
           <a:p>
             <a:fld id="{54AA066D-271F-4C1A-B89A-0705A7689EE9}" type="datetimeFigureOut">
               <a:rPr lang="en-US" smtClean="0"/>
-              <a:t>4/27/2019</a:t>
+              <a:t>5/8/2019</a:t>
             </a:fld>
             <a:endParaRPr lang="en-US"/>
           </a:p>
@@ -3624,6 +3826,7 @@
     <p:sldLayoutId id="2147483657" r:id="rId9"/>
     <p:sldLayoutId id="2147483658" r:id="rId10"/>
     <p:sldLayoutId id="2147483659" r:id="rId11"/>
+    <p:sldLayoutId id="2147483660" r:id="rId12"/>
   </p:sldLayoutIdLst>
   <p:txStyles>
     <p:titleStyle>
@@ -4085,6 +4288,1919 @@
 </file>
 
 <file path=ppt/slides/slide10.xml><?xml version="1.0" encoding="utf-8"?>
+<p:sld xmlns:a="http://schemas.openxmlformats.org/drawingml/2006/main" xmlns:r="http://schemas.openxmlformats.org/officeDocument/2006/relationships" xmlns:p="http://schemas.openxmlformats.org/presentationml/2006/main">
+  <p:cSld>
+    <p:spTree>
+      <p:nvGrpSpPr>
+        <p:cNvPr id="1" name=""/>
+        <p:cNvGrpSpPr/>
+        <p:nvPr/>
+      </p:nvGrpSpPr>
+      <p:grpSpPr>
+        <a:xfrm>
+          <a:off x="0" y="0"/>
+          <a:ext cx="0" cy="0"/>
+          <a:chOff x="0" y="0"/>
+          <a:chExt cx="0" cy="0"/>
+        </a:xfrm>
+      </p:grpSpPr>
+      <p:cxnSp>
+        <p:nvCxnSpPr>
+          <p:cNvPr id="10" name="Düz Bağlayıcı 9"/>
+          <p:cNvCxnSpPr/>
+          <p:nvPr/>
+        </p:nvCxnSpPr>
+        <p:spPr>
+          <a:xfrm>
+            <a:off x="228596" y="6166763"/>
+            <a:ext cx="11768671" cy="0"/>
+          </a:xfrm>
+          <a:prstGeom prst="line">
+            <a:avLst/>
+          </a:prstGeom>
+          <a:ln w="101600" cmpd="thickThin">
+            <a:solidFill>
+              <a:schemeClr val="accent1">
+                <a:lumMod val="75000"/>
+              </a:schemeClr>
+            </a:solidFill>
+          </a:ln>
+        </p:spPr>
+        <p:style>
+          <a:lnRef idx="1">
+            <a:schemeClr val="accent1"/>
+          </a:lnRef>
+          <a:fillRef idx="0">
+            <a:schemeClr val="accent1"/>
+          </a:fillRef>
+          <a:effectRef idx="0">
+            <a:schemeClr val="accent1"/>
+          </a:effectRef>
+          <a:fontRef idx="minor">
+            <a:schemeClr val="tx1"/>
+          </a:fontRef>
+        </p:style>
+      </p:cxnSp>
+      <p:sp>
+        <p:nvSpPr>
+          <p:cNvPr id="16" name="Unvan 1"/>
+          <p:cNvSpPr>
+            <a:spLocks noGrp="1"/>
+          </p:cNvSpPr>
+          <p:nvPr>
+            <p:ph type="ctrTitle"/>
+          </p:nvPr>
+        </p:nvSpPr>
+        <p:spPr>
+          <a:xfrm>
+            <a:off x="1362574" y="71952"/>
+            <a:ext cx="9144000" cy="956733"/>
+          </a:xfrm>
+        </p:spPr>
+        <p:txBody>
+          <a:bodyPr>
+            <a:normAutofit/>
+          </a:bodyPr>
+          <a:lstStyle/>
+          <a:p>
+            <a:r>
+              <a:rPr lang="tr-TR" sz="4200" b="1" dirty="0">
+                <a:solidFill>
+                  <a:srgbClr val="CD1F26"/>
+                </a:solidFill>
+                <a:latin typeface="Arial" panose="020B0604020202020204" pitchFamily="34" charset="0"/>
+                <a:ea typeface="Verdana" panose="020B0604030504040204" pitchFamily="34" charset="0"/>
+                <a:cs typeface="Arial" panose="020B0604020202020204" pitchFamily="34" charset="0"/>
+              </a:rPr>
+              <a:t>HDFS Veri Yazma</a:t>
+            </a:r>
+            <a:endParaRPr lang="en-US" sz="4200" b="1" dirty="0">
+              <a:solidFill>
+                <a:srgbClr val="CD1F26"/>
+              </a:solidFill>
+              <a:latin typeface="Arial" panose="020B0604020202020204" pitchFamily="34" charset="0"/>
+              <a:ea typeface="Verdana" panose="020B0604030504040204" pitchFamily="34" charset="0"/>
+              <a:cs typeface="Arial" panose="020B0604020202020204" pitchFamily="34" charset="0"/>
+            </a:endParaRPr>
+          </a:p>
+        </p:txBody>
+      </p:sp>
+      <p:cxnSp>
+        <p:nvCxnSpPr>
+          <p:cNvPr id="26" name="Düz Ok Bağlayıcısı 25"/>
+          <p:cNvCxnSpPr>
+            <a:stCxn id="69" idx="0"/>
+            <a:endCxn id="39" idx="2"/>
+          </p:cNvCxnSpPr>
+          <p:nvPr/>
+        </p:nvCxnSpPr>
+        <p:spPr>
+          <a:xfrm flipV="1">
+            <a:off x="3216746" y="2513262"/>
+            <a:ext cx="2197048" cy="1626697"/>
+          </a:xfrm>
+          <a:prstGeom prst="straightConnector1">
+            <a:avLst/>
+          </a:prstGeom>
+          <a:ln>
+            <a:tailEnd type="triangle"/>
+          </a:ln>
+        </p:spPr>
+        <p:style>
+          <a:lnRef idx="1">
+            <a:schemeClr val="accent1"/>
+          </a:lnRef>
+          <a:fillRef idx="0">
+            <a:schemeClr val="accent1"/>
+          </a:fillRef>
+          <a:effectRef idx="0">
+            <a:schemeClr val="accent1"/>
+          </a:effectRef>
+          <a:fontRef idx="minor">
+            <a:schemeClr val="tx1"/>
+          </a:fontRef>
+        </p:style>
+      </p:cxnSp>
+      <p:cxnSp>
+        <p:nvCxnSpPr>
+          <p:cNvPr id="27" name="Düz Ok Bağlayıcısı 26"/>
+          <p:cNvCxnSpPr>
+            <a:stCxn id="67" idx="0"/>
+            <a:endCxn id="39" idx="2"/>
+          </p:cNvCxnSpPr>
+          <p:nvPr/>
+        </p:nvCxnSpPr>
+        <p:spPr>
+          <a:xfrm flipV="1">
+            <a:off x="4845656" y="2513262"/>
+            <a:ext cx="568138" cy="1730946"/>
+          </a:xfrm>
+          <a:prstGeom prst="straightConnector1">
+            <a:avLst/>
+          </a:prstGeom>
+          <a:ln>
+            <a:tailEnd type="triangle"/>
+          </a:ln>
+        </p:spPr>
+        <p:style>
+          <a:lnRef idx="1">
+            <a:schemeClr val="accent1"/>
+          </a:lnRef>
+          <a:fillRef idx="0">
+            <a:schemeClr val="accent1"/>
+          </a:fillRef>
+          <a:effectRef idx="0">
+            <a:schemeClr val="accent1"/>
+          </a:effectRef>
+          <a:fontRef idx="minor">
+            <a:schemeClr val="tx1"/>
+          </a:fontRef>
+        </p:style>
+      </p:cxnSp>
+      <p:cxnSp>
+        <p:nvCxnSpPr>
+          <p:cNvPr id="28" name="Düz Ok Bağlayıcısı 27"/>
+          <p:cNvCxnSpPr>
+            <a:stCxn id="24" idx="1"/>
+            <a:endCxn id="39" idx="3"/>
+          </p:cNvCxnSpPr>
+          <p:nvPr/>
+        </p:nvCxnSpPr>
+        <p:spPr>
+          <a:xfrm flipH="1" flipV="1">
+            <a:off x="5766219" y="2258586"/>
+            <a:ext cx="4339714" cy="220916"/>
+          </a:xfrm>
+          <a:prstGeom prst="straightConnector1">
+            <a:avLst/>
+          </a:prstGeom>
+          <a:ln>
+            <a:tailEnd type="triangle"/>
+          </a:ln>
+        </p:spPr>
+        <p:style>
+          <a:lnRef idx="1">
+            <a:schemeClr val="accent1"/>
+          </a:lnRef>
+          <a:fillRef idx="0">
+            <a:schemeClr val="accent1"/>
+          </a:fillRef>
+          <a:effectRef idx="0">
+            <a:schemeClr val="accent1"/>
+          </a:effectRef>
+          <a:fontRef idx="minor">
+            <a:schemeClr val="tx1"/>
+          </a:fontRef>
+        </p:style>
+      </p:cxnSp>
+      <p:cxnSp>
+        <p:nvCxnSpPr>
+          <p:cNvPr id="29" name="Düz Ok Bağlayıcısı 28"/>
+          <p:cNvCxnSpPr>
+            <a:stCxn id="68" idx="3"/>
+            <a:endCxn id="39" idx="1"/>
+          </p:cNvCxnSpPr>
+          <p:nvPr/>
+        </p:nvCxnSpPr>
+        <p:spPr>
+          <a:xfrm flipV="1">
+            <a:off x="3935920" y="2258586"/>
+            <a:ext cx="1125449" cy="18389"/>
+          </a:xfrm>
+          <a:prstGeom prst="straightConnector1">
+            <a:avLst/>
+          </a:prstGeom>
+          <a:ln>
+            <a:tailEnd type="triangle"/>
+          </a:ln>
+        </p:spPr>
+        <p:style>
+          <a:lnRef idx="1">
+            <a:schemeClr val="accent1"/>
+          </a:lnRef>
+          <a:fillRef idx="0">
+            <a:schemeClr val="accent1"/>
+          </a:fillRef>
+          <a:effectRef idx="0">
+            <a:schemeClr val="accent1"/>
+          </a:effectRef>
+          <a:fontRef idx="minor">
+            <a:schemeClr val="tx1"/>
+          </a:fontRef>
+        </p:style>
+      </p:cxnSp>
+      <p:cxnSp>
+        <p:nvCxnSpPr>
+          <p:cNvPr id="30" name="Düz Ok Bağlayıcısı 29"/>
+          <p:cNvCxnSpPr>
+            <a:stCxn id="23" idx="1"/>
+            <a:endCxn id="39" idx="3"/>
+          </p:cNvCxnSpPr>
+          <p:nvPr/>
+        </p:nvCxnSpPr>
+        <p:spPr>
+          <a:xfrm flipH="1" flipV="1">
+            <a:off x="5766219" y="2258586"/>
+            <a:ext cx="4353811" cy="1672876"/>
+          </a:xfrm>
+          <a:prstGeom prst="straightConnector1">
+            <a:avLst/>
+          </a:prstGeom>
+          <a:ln>
+            <a:tailEnd type="triangle"/>
+          </a:ln>
+        </p:spPr>
+        <p:style>
+          <a:lnRef idx="1">
+            <a:schemeClr val="accent1"/>
+          </a:lnRef>
+          <a:fillRef idx="0">
+            <a:schemeClr val="accent1"/>
+          </a:fillRef>
+          <a:effectRef idx="0">
+            <a:schemeClr val="accent1"/>
+          </a:effectRef>
+          <a:fontRef idx="minor">
+            <a:schemeClr val="tx1"/>
+          </a:fontRef>
+        </p:style>
+      </p:cxnSp>
+      <p:cxnSp>
+        <p:nvCxnSpPr>
+          <p:cNvPr id="31" name="Düz Ok Bağlayıcısı 30"/>
+          <p:cNvCxnSpPr>
+            <a:stCxn id="25" idx="1"/>
+            <a:endCxn id="39" idx="3"/>
+          </p:cNvCxnSpPr>
+          <p:nvPr/>
+        </p:nvCxnSpPr>
+        <p:spPr>
+          <a:xfrm flipH="1">
+            <a:off x="5766219" y="1426490"/>
+            <a:ext cx="3223446" cy="832096"/>
+          </a:xfrm>
+          <a:prstGeom prst="straightConnector1">
+            <a:avLst/>
+          </a:prstGeom>
+          <a:ln>
+            <a:tailEnd type="triangle"/>
+          </a:ln>
+        </p:spPr>
+        <p:style>
+          <a:lnRef idx="1">
+            <a:schemeClr val="accent1"/>
+          </a:lnRef>
+          <a:fillRef idx="0">
+            <a:schemeClr val="accent1"/>
+          </a:fillRef>
+          <a:effectRef idx="0">
+            <a:schemeClr val="accent1"/>
+          </a:effectRef>
+          <a:fontRef idx="minor">
+            <a:schemeClr val="tx1"/>
+          </a:fontRef>
+        </p:style>
+      </p:cxnSp>
+      <p:grpSp>
+        <p:nvGrpSpPr>
+          <p:cNvPr id="53" name="Grup 52"/>
+          <p:cNvGrpSpPr/>
+          <p:nvPr/>
+        </p:nvGrpSpPr>
+        <p:grpSpPr>
+          <a:xfrm>
+            <a:off x="9839067" y="3056348"/>
+            <a:ext cx="1609217" cy="1522814"/>
+            <a:chOff x="5746181" y="3773633"/>
+            <a:chExt cx="1609217" cy="1522814"/>
+          </a:xfrm>
+        </p:grpSpPr>
+        <p:pic>
+          <p:nvPicPr>
+            <p:cNvPr id="23" name="Resim 22"/>
+            <p:cNvPicPr>
+              <a:picLocks noChangeAspect="1"/>
+            </p:cNvPicPr>
+            <p:nvPr/>
+          </p:nvPicPr>
+          <p:blipFill>
+            <a:blip r:embed="rId2" cstate="print">
+              <a:extLst>
+                <a:ext uri="{28A0092B-C50C-407E-A947-70E740481C1C}">
+                  <a14:useLocalDpi xmlns:a14="http://schemas.microsoft.com/office/drawing/2010/main" val="0"/>
+                </a:ext>
+              </a:extLst>
+            </a:blip>
+            <a:stretch>
+              <a:fillRect/>
+            </a:stretch>
+          </p:blipFill>
+          <p:spPr>
+            <a:xfrm>
+              <a:off x="6027144" y="4001047"/>
+              <a:ext cx="1052512" cy="1295400"/>
+            </a:xfrm>
+            <a:prstGeom prst="rect">
+              <a:avLst/>
+            </a:prstGeom>
+            <a:solidFill>
+              <a:schemeClr val="bg1">
+                <a:lumMod val="85000"/>
+              </a:schemeClr>
+            </a:solidFill>
+          </p:spPr>
+        </p:pic>
+        <p:sp>
+          <p:nvSpPr>
+            <p:cNvPr id="35" name="Metin kutusu 34"/>
+            <p:cNvSpPr txBox="1"/>
+            <p:nvPr/>
+          </p:nvSpPr>
+          <p:spPr>
+            <a:xfrm>
+              <a:off x="5746181" y="3773633"/>
+              <a:ext cx="1609217" cy="246221"/>
+            </a:xfrm>
+            <a:prstGeom prst="rect">
+              <a:avLst/>
+            </a:prstGeom>
+            <a:noFill/>
+          </p:spPr>
+          <p:txBody>
+            <a:bodyPr wrap="square" rtlCol="0">
+              <a:spAutoFit/>
+            </a:bodyPr>
+            <a:lstStyle/>
+            <a:p>
+              <a:pPr algn="ctr"/>
+              <a:r>
+                <a:rPr lang="tr-TR" sz="1000" b="1" dirty="0">
+                  <a:latin typeface="Arial" panose="020B0604020202020204" pitchFamily="34" charset="0"/>
+                  <a:cs typeface="Arial" panose="020B0604020202020204" pitchFamily="34" charset="0"/>
+                </a:rPr>
+                <a:t>DataNode-03</a:t>
+              </a:r>
+              <a:endParaRPr lang="en-US" sz="1000" b="1" dirty="0">
+                <a:latin typeface="Arial" panose="020B0604020202020204" pitchFamily="34" charset="0"/>
+                <a:cs typeface="Arial" panose="020B0604020202020204" pitchFamily="34" charset="0"/>
+              </a:endParaRPr>
+            </a:p>
+          </p:txBody>
+        </p:sp>
+      </p:grpSp>
+      <p:grpSp>
+        <p:nvGrpSpPr>
+          <p:cNvPr id="52" name="Grup 51"/>
+          <p:cNvGrpSpPr/>
+          <p:nvPr/>
+        </p:nvGrpSpPr>
+        <p:grpSpPr>
+          <a:xfrm>
+            <a:off x="9839067" y="1608666"/>
+            <a:ext cx="1609217" cy="1518536"/>
+            <a:chOff x="6902457" y="3413220"/>
+            <a:chExt cx="1609217" cy="1518536"/>
+          </a:xfrm>
+        </p:grpSpPr>
+        <p:pic>
+          <p:nvPicPr>
+            <p:cNvPr id="24" name="Resim 23"/>
+            <p:cNvPicPr>
+              <a:picLocks noChangeAspect="1"/>
+            </p:cNvPicPr>
+            <p:nvPr/>
+          </p:nvPicPr>
+          <p:blipFill>
+            <a:blip r:embed="rId2" cstate="print">
+              <a:extLst>
+                <a:ext uri="{28A0092B-C50C-407E-A947-70E740481C1C}">
+                  <a14:useLocalDpi xmlns:a14="http://schemas.microsoft.com/office/drawing/2010/main" val="0"/>
+                </a:ext>
+              </a:extLst>
+            </a:blip>
+            <a:stretch>
+              <a:fillRect/>
+            </a:stretch>
+          </p:blipFill>
+          <p:spPr>
+            <a:xfrm>
+              <a:off x="7169323" y="3636356"/>
+              <a:ext cx="1052512" cy="1295400"/>
+            </a:xfrm>
+            <a:prstGeom prst="rect">
+              <a:avLst/>
+            </a:prstGeom>
+            <a:solidFill>
+              <a:schemeClr val="bg1">
+                <a:lumMod val="85000"/>
+              </a:schemeClr>
+            </a:solidFill>
+          </p:spPr>
+        </p:pic>
+        <p:sp>
+          <p:nvSpPr>
+            <p:cNvPr id="36" name="Metin kutusu 35"/>
+            <p:cNvSpPr txBox="1"/>
+            <p:nvPr/>
+          </p:nvSpPr>
+          <p:spPr>
+            <a:xfrm>
+              <a:off x="6902457" y="3413220"/>
+              <a:ext cx="1609217" cy="246221"/>
+            </a:xfrm>
+            <a:prstGeom prst="rect">
+              <a:avLst/>
+            </a:prstGeom>
+            <a:noFill/>
+          </p:spPr>
+          <p:txBody>
+            <a:bodyPr wrap="square" rtlCol="0">
+              <a:spAutoFit/>
+            </a:bodyPr>
+            <a:lstStyle/>
+            <a:p>
+              <a:pPr algn="ctr"/>
+              <a:r>
+                <a:rPr lang="tr-TR" sz="1000" b="1" dirty="0">
+                  <a:latin typeface="Arial" panose="020B0604020202020204" pitchFamily="34" charset="0"/>
+                  <a:cs typeface="Arial" panose="020B0604020202020204" pitchFamily="34" charset="0"/>
+                </a:rPr>
+                <a:t>DataNode-02</a:t>
+              </a:r>
+              <a:endParaRPr lang="en-US" sz="1000" b="1" dirty="0">
+                <a:latin typeface="Arial" panose="020B0604020202020204" pitchFamily="34" charset="0"/>
+                <a:cs typeface="Arial" panose="020B0604020202020204" pitchFamily="34" charset="0"/>
+              </a:endParaRPr>
+            </a:p>
+          </p:txBody>
+        </p:sp>
+      </p:grpSp>
+      <p:grpSp>
+        <p:nvGrpSpPr>
+          <p:cNvPr id="51" name="Grup 50"/>
+          <p:cNvGrpSpPr/>
+          <p:nvPr/>
+        </p:nvGrpSpPr>
+        <p:grpSpPr>
+          <a:xfrm>
+            <a:off x="8711312" y="485320"/>
+            <a:ext cx="1609217" cy="1588870"/>
+            <a:chOff x="7909038" y="2838147"/>
+            <a:chExt cx="1609217" cy="1588870"/>
+          </a:xfrm>
+        </p:grpSpPr>
+        <p:pic>
+          <p:nvPicPr>
+            <p:cNvPr id="25" name="Resim 24"/>
+            <p:cNvPicPr>
+              <a:picLocks noChangeAspect="1"/>
+            </p:cNvPicPr>
+            <p:nvPr/>
+          </p:nvPicPr>
+          <p:blipFill>
+            <a:blip r:embed="rId2" cstate="print">
+              <a:extLst>
+                <a:ext uri="{28A0092B-C50C-407E-A947-70E740481C1C}">
+                  <a14:useLocalDpi xmlns:a14="http://schemas.microsoft.com/office/drawing/2010/main" val="0"/>
+                </a:ext>
+              </a:extLst>
+            </a:blip>
+            <a:stretch>
+              <a:fillRect/>
+            </a:stretch>
+          </p:blipFill>
+          <p:spPr>
+            <a:xfrm>
+              <a:off x="8187391" y="3131617"/>
+              <a:ext cx="1052512" cy="1295400"/>
+            </a:xfrm>
+            <a:prstGeom prst="rect">
+              <a:avLst/>
+            </a:prstGeom>
+            <a:solidFill>
+              <a:schemeClr val="bg1">
+                <a:lumMod val="85000"/>
+              </a:schemeClr>
+            </a:solidFill>
+          </p:spPr>
+        </p:pic>
+        <p:sp>
+          <p:nvSpPr>
+            <p:cNvPr id="37" name="Metin kutusu 36"/>
+            <p:cNvSpPr txBox="1"/>
+            <p:nvPr/>
+          </p:nvSpPr>
+          <p:spPr>
+            <a:xfrm>
+              <a:off x="7909038" y="2838147"/>
+              <a:ext cx="1609217" cy="246221"/>
+            </a:xfrm>
+            <a:prstGeom prst="rect">
+              <a:avLst/>
+            </a:prstGeom>
+            <a:noFill/>
+          </p:spPr>
+          <p:txBody>
+            <a:bodyPr wrap="square" rtlCol="0">
+              <a:spAutoFit/>
+            </a:bodyPr>
+            <a:lstStyle/>
+            <a:p>
+              <a:pPr algn="ctr"/>
+              <a:r>
+                <a:rPr lang="tr-TR" sz="1000" b="1" dirty="0">
+                  <a:latin typeface="Arial" panose="020B0604020202020204" pitchFamily="34" charset="0"/>
+                  <a:cs typeface="Arial" panose="020B0604020202020204" pitchFamily="34" charset="0"/>
+                </a:rPr>
+                <a:t>DataNode-01</a:t>
+              </a:r>
+              <a:endParaRPr lang="en-US" sz="1000" b="1" dirty="0">
+                <a:latin typeface="Arial" panose="020B0604020202020204" pitchFamily="34" charset="0"/>
+                <a:cs typeface="Arial" panose="020B0604020202020204" pitchFamily="34" charset="0"/>
+              </a:endParaRPr>
+            </a:p>
+          </p:txBody>
+        </p:sp>
+      </p:grpSp>
+      <p:pic>
+        <p:nvPicPr>
+          <p:cNvPr id="39" name="Resim 38"/>
+          <p:cNvPicPr>
+            <a:picLocks noChangeAspect="1"/>
+          </p:cNvPicPr>
+          <p:nvPr/>
+        </p:nvPicPr>
+        <p:blipFill rotWithShape="1">
+          <a:blip r:embed="rId3" cstate="print">
+            <a:extLst>
+              <a:ext uri="{28A0092B-C50C-407E-A947-70E740481C1C}">
+                <a14:useLocalDpi xmlns:a14="http://schemas.microsoft.com/office/drawing/2010/main" val="0"/>
+              </a:ext>
+            </a:extLst>
+          </a:blip>
+          <a:srcRect l="11232" t="-1" r="9200" b="13481"/>
+          <a:stretch/>
+        </p:blipFill>
+        <p:spPr>
+          <a:xfrm>
+            <a:off x="5061369" y="2003910"/>
+            <a:ext cx="704850" cy="509352"/>
+          </a:xfrm>
+          <a:prstGeom prst="rect">
+            <a:avLst/>
+          </a:prstGeom>
+        </p:spPr>
+      </p:pic>
+      <p:grpSp>
+        <p:nvGrpSpPr>
+          <p:cNvPr id="57" name="Grup 56"/>
+          <p:cNvGrpSpPr/>
+          <p:nvPr/>
+        </p:nvGrpSpPr>
+        <p:grpSpPr>
+          <a:xfrm>
+            <a:off x="8722876" y="4176977"/>
+            <a:ext cx="1609217" cy="1522814"/>
+            <a:chOff x="5746181" y="3773633"/>
+            <a:chExt cx="1609217" cy="1522814"/>
+          </a:xfrm>
+        </p:grpSpPr>
+        <p:pic>
+          <p:nvPicPr>
+            <p:cNvPr id="58" name="Resim 57"/>
+            <p:cNvPicPr>
+              <a:picLocks noChangeAspect="1"/>
+            </p:cNvPicPr>
+            <p:nvPr/>
+          </p:nvPicPr>
+          <p:blipFill>
+            <a:blip r:embed="rId2" cstate="print">
+              <a:extLst>
+                <a:ext uri="{28A0092B-C50C-407E-A947-70E740481C1C}">
+                  <a14:useLocalDpi xmlns:a14="http://schemas.microsoft.com/office/drawing/2010/main" val="0"/>
+                </a:ext>
+              </a:extLst>
+            </a:blip>
+            <a:stretch>
+              <a:fillRect/>
+            </a:stretch>
+          </p:blipFill>
+          <p:spPr>
+            <a:xfrm>
+              <a:off x="6027144" y="4001047"/>
+              <a:ext cx="1052512" cy="1295400"/>
+            </a:xfrm>
+            <a:prstGeom prst="rect">
+              <a:avLst/>
+            </a:prstGeom>
+            <a:solidFill>
+              <a:schemeClr val="bg1">
+                <a:lumMod val="85000"/>
+              </a:schemeClr>
+            </a:solidFill>
+          </p:spPr>
+        </p:pic>
+        <p:sp>
+          <p:nvSpPr>
+            <p:cNvPr id="59" name="Metin kutusu 58"/>
+            <p:cNvSpPr txBox="1"/>
+            <p:nvPr/>
+          </p:nvSpPr>
+          <p:spPr>
+            <a:xfrm>
+              <a:off x="5746181" y="3773633"/>
+              <a:ext cx="1609217" cy="246221"/>
+            </a:xfrm>
+            <a:prstGeom prst="rect">
+              <a:avLst/>
+            </a:prstGeom>
+            <a:noFill/>
+          </p:spPr>
+          <p:txBody>
+            <a:bodyPr wrap="square" rtlCol="0">
+              <a:spAutoFit/>
+            </a:bodyPr>
+            <a:lstStyle/>
+            <a:p>
+              <a:pPr algn="ctr"/>
+              <a:r>
+                <a:rPr lang="tr-TR" sz="1000" b="1" dirty="0">
+                  <a:latin typeface="Arial" panose="020B0604020202020204" pitchFamily="34" charset="0"/>
+                  <a:cs typeface="Arial" panose="020B0604020202020204" pitchFamily="34" charset="0"/>
+                </a:rPr>
+                <a:t>DataNode-04</a:t>
+              </a:r>
+              <a:endParaRPr lang="en-US" sz="1000" b="1" dirty="0">
+                <a:latin typeface="Arial" panose="020B0604020202020204" pitchFamily="34" charset="0"/>
+                <a:cs typeface="Arial" panose="020B0604020202020204" pitchFamily="34" charset="0"/>
+              </a:endParaRPr>
+            </a:p>
+          </p:txBody>
+        </p:sp>
+      </p:grpSp>
+      <p:cxnSp>
+        <p:nvCxnSpPr>
+          <p:cNvPr id="60" name="Düz Ok Bağlayıcısı 59"/>
+          <p:cNvCxnSpPr>
+            <a:stCxn id="58" idx="1"/>
+            <a:endCxn id="39" idx="3"/>
+          </p:cNvCxnSpPr>
+          <p:nvPr/>
+        </p:nvCxnSpPr>
+        <p:spPr>
+          <a:xfrm flipH="1" flipV="1">
+            <a:off x="5766219" y="2258586"/>
+            <a:ext cx="3237620" cy="2793505"/>
+          </a:xfrm>
+          <a:prstGeom prst="straightConnector1">
+            <a:avLst/>
+          </a:prstGeom>
+          <a:ln>
+            <a:tailEnd type="triangle"/>
+          </a:ln>
+        </p:spPr>
+        <p:style>
+          <a:lnRef idx="1">
+            <a:schemeClr val="accent1"/>
+          </a:lnRef>
+          <a:fillRef idx="0">
+            <a:schemeClr val="accent1"/>
+          </a:fillRef>
+          <a:effectRef idx="0">
+            <a:schemeClr val="accent1"/>
+          </a:effectRef>
+          <a:fontRef idx="minor">
+            <a:schemeClr val="tx1"/>
+          </a:fontRef>
+        </p:style>
+      </p:cxnSp>
+      <p:pic>
+        <p:nvPicPr>
+          <p:cNvPr id="65" name="Resim 64"/>
+          <p:cNvPicPr>
+            <a:picLocks noChangeAspect="1"/>
+          </p:cNvPicPr>
+          <p:nvPr/>
+        </p:nvPicPr>
+        <p:blipFill>
+          <a:blip r:embed="rId4" cstate="print">
+            <a:extLst>
+              <a:ext uri="{28A0092B-C50C-407E-A947-70E740481C1C}">
+                <a14:useLocalDpi xmlns:a14="http://schemas.microsoft.com/office/drawing/2010/main" val="0"/>
+              </a:ext>
+            </a:extLst>
+          </a:blip>
+          <a:stretch>
+            <a:fillRect/>
+          </a:stretch>
+        </p:blipFill>
+        <p:spPr>
+          <a:xfrm flipH="1">
+            <a:off x="576210" y="1731776"/>
+            <a:ext cx="1079297" cy="1048857"/>
+          </a:xfrm>
+          <a:prstGeom prst="rect">
+            <a:avLst/>
+          </a:prstGeom>
+        </p:spPr>
+      </p:pic>
+      <p:grpSp>
+        <p:nvGrpSpPr>
+          <p:cNvPr id="72" name="Grup 71"/>
+          <p:cNvGrpSpPr/>
+          <p:nvPr/>
+        </p:nvGrpSpPr>
+        <p:grpSpPr>
+          <a:xfrm>
+            <a:off x="4419475" y="3887549"/>
+            <a:ext cx="1658446" cy="1673894"/>
+            <a:chOff x="4281604" y="3899192"/>
+            <a:chExt cx="1658446" cy="1673894"/>
+          </a:xfrm>
+        </p:grpSpPr>
+        <p:sp>
+          <p:nvSpPr>
+            <p:cNvPr id="33" name="Metin kutusu 32"/>
+            <p:cNvSpPr txBox="1"/>
+            <p:nvPr/>
+          </p:nvSpPr>
+          <p:spPr>
+            <a:xfrm>
+              <a:off x="4372808" y="3899192"/>
+              <a:ext cx="1567242" cy="400110"/>
+            </a:xfrm>
+            <a:prstGeom prst="rect">
+              <a:avLst/>
+            </a:prstGeom>
+            <a:noFill/>
+          </p:spPr>
+          <p:txBody>
+            <a:bodyPr wrap="square" rtlCol="0">
+              <a:spAutoFit/>
+            </a:bodyPr>
+            <a:lstStyle/>
+            <a:p>
+              <a:pPr algn="ctr"/>
+              <a:r>
+                <a:rPr lang="tr-TR" sz="1000" b="1" dirty="0" err="1">
+                  <a:latin typeface="Arial" panose="020B0604020202020204" pitchFamily="34" charset="0"/>
+                  <a:cs typeface="Arial" panose="020B0604020202020204" pitchFamily="34" charset="0"/>
+                </a:rPr>
+                <a:t>Secondary</a:t>
+              </a:r>
+              <a:r>
+                <a:rPr lang="tr-TR" sz="1000" b="1" dirty="0">
+                  <a:latin typeface="Arial" panose="020B0604020202020204" pitchFamily="34" charset="0"/>
+                  <a:cs typeface="Arial" panose="020B0604020202020204" pitchFamily="34" charset="0"/>
+                </a:rPr>
+                <a:t>/</a:t>
+              </a:r>
+              <a:r>
+                <a:rPr lang="tr-TR" sz="1000" b="1" dirty="0" err="1">
+                  <a:latin typeface="Arial" panose="020B0604020202020204" pitchFamily="34" charset="0"/>
+                  <a:cs typeface="Arial" panose="020B0604020202020204" pitchFamily="34" charset="0"/>
+                </a:rPr>
+                <a:t>Standby</a:t>
+              </a:r>
+              <a:br>
+                <a:rPr lang="tr-TR" sz="1000" b="1" dirty="0">
+                  <a:latin typeface="Arial" panose="020B0604020202020204" pitchFamily="34" charset="0"/>
+                  <a:cs typeface="Arial" panose="020B0604020202020204" pitchFamily="34" charset="0"/>
+                </a:rPr>
+              </a:br>
+              <a:r>
+                <a:rPr lang="tr-TR" sz="1000" b="1" dirty="0" err="1">
+                  <a:latin typeface="Arial" panose="020B0604020202020204" pitchFamily="34" charset="0"/>
+                  <a:cs typeface="Arial" panose="020B0604020202020204" pitchFamily="34" charset="0"/>
+                </a:rPr>
+                <a:t>NameNode</a:t>
+              </a:r>
+              <a:endParaRPr lang="en-US" sz="1000" b="1" dirty="0">
+                <a:latin typeface="Arial" panose="020B0604020202020204" pitchFamily="34" charset="0"/>
+                <a:cs typeface="Arial" panose="020B0604020202020204" pitchFamily="34" charset="0"/>
+              </a:endParaRPr>
+            </a:p>
+          </p:txBody>
+        </p:sp>
+        <p:pic>
+          <p:nvPicPr>
+            <p:cNvPr id="67" name="Resim 66"/>
+            <p:cNvPicPr>
+              <a:picLocks noChangeAspect="1"/>
+            </p:cNvPicPr>
+            <p:nvPr/>
+          </p:nvPicPr>
+          <p:blipFill>
+            <a:blip r:embed="rId5" cstate="print">
+              <a:extLst>
+                <a:ext uri="{28A0092B-C50C-407E-A947-70E740481C1C}">
+                  <a14:useLocalDpi xmlns:a14="http://schemas.microsoft.com/office/drawing/2010/main" val="0"/>
+                </a:ext>
+              </a:extLst>
+            </a:blip>
+            <a:stretch>
+              <a:fillRect/>
+            </a:stretch>
+          </p:blipFill>
+          <p:spPr>
+            <a:xfrm>
+              <a:off x="4281604" y="4255851"/>
+              <a:ext cx="852361" cy="1317235"/>
+            </a:xfrm>
+            <a:prstGeom prst="rect">
+              <a:avLst/>
+            </a:prstGeom>
+          </p:spPr>
+        </p:pic>
+      </p:grpSp>
+      <p:grpSp>
+        <p:nvGrpSpPr>
+          <p:cNvPr id="76" name="Grup 75"/>
+          <p:cNvGrpSpPr/>
+          <p:nvPr/>
+        </p:nvGrpSpPr>
+        <p:grpSpPr>
+          <a:xfrm>
+            <a:off x="2692292" y="1347609"/>
+            <a:ext cx="1612768" cy="1587983"/>
+            <a:chOff x="1627553" y="2074190"/>
+            <a:chExt cx="1612768" cy="1587983"/>
+          </a:xfrm>
+        </p:grpSpPr>
+        <p:sp>
+          <p:nvSpPr>
+            <p:cNvPr id="34" name="Metin kutusu 33"/>
+            <p:cNvSpPr txBox="1"/>
+            <p:nvPr/>
+          </p:nvSpPr>
+          <p:spPr>
+            <a:xfrm>
+              <a:off x="1627553" y="2074190"/>
+              <a:ext cx="1612768" cy="246221"/>
+            </a:xfrm>
+            <a:prstGeom prst="rect">
+              <a:avLst/>
+            </a:prstGeom>
+            <a:noFill/>
+          </p:spPr>
+          <p:txBody>
+            <a:bodyPr wrap="square" rtlCol="0">
+              <a:spAutoFit/>
+            </a:bodyPr>
+            <a:lstStyle/>
+            <a:p>
+              <a:pPr algn="ctr"/>
+              <a:r>
+                <a:rPr lang="tr-TR" sz="1000" b="1" dirty="0" err="1">
+                  <a:latin typeface="Arial" panose="020B0604020202020204" pitchFamily="34" charset="0"/>
+                  <a:cs typeface="Arial" panose="020B0604020202020204" pitchFamily="34" charset="0"/>
+                </a:rPr>
+                <a:t>Edge</a:t>
+              </a:r>
+              <a:r>
+                <a:rPr lang="tr-TR" sz="1000" b="1" dirty="0">
+                  <a:latin typeface="Arial" panose="020B0604020202020204" pitchFamily="34" charset="0"/>
+                  <a:cs typeface="Arial" panose="020B0604020202020204" pitchFamily="34" charset="0"/>
+                </a:rPr>
+                <a:t> </a:t>
+              </a:r>
+              <a:r>
+                <a:rPr lang="tr-TR" sz="1000" b="1" dirty="0" err="1">
+                  <a:latin typeface="Arial" panose="020B0604020202020204" pitchFamily="34" charset="0"/>
+                  <a:cs typeface="Arial" panose="020B0604020202020204" pitchFamily="34" charset="0"/>
+                </a:rPr>
+                <a:t>Node</a:t>
+              </a:r>
+              <a:endParaRPr lang="en-US" sz="1000" b="1" dirty="0">
+                <a:latin typeface="Arial" panose="020B0604020202020204" pitchFamily="34" charset="0"/>
+                <a:cs typeface="Arial" panose="020B0604020202020204" pitchFamily="34" charset="0"/>
+              </a:endParaRPr>
+            </a:p>
+          </p:txBody>
+        </p:sp>
+        <p:pic>
+          <p:nvPicPr>
+            <p:cNvPr id="68" name="Resim 67"/>
+            <p:cNvPicPr>
+              <a:picLocks noChangeAspect="1"/>
+            </p:cNvPicPr>
+            <p:nvPr/>
+          </p:nvPicPr>
+          <p:blipFill>
+            <a:blip r:embed="rId5" cstate="print">
+              <a:extLst>
+                <a:ext uri="{28A0092B-C50C-407E-A947-70E740481C1C}">
+                  <a14:useLocalDpi xmlns:a14="http://schemas.microsoft.com/office/drawing/2010/main" val="0"/>
+                </a:ext>
+              </a:extLst>
+            </a:blip>
+            <a:stretch>
+              <a:fillRect/>
+            </a:stretch>
+          </p:blipFill>
+          <p:spPr>
+            <a:xfrm>
+              <a:off x="2018820" y="2344938"/>
+              <a:ext cx="852361" cy="1317235"/>
+            </a:xfrm>
+            <a:prstGeom prst="rect">
+              <a:avLst/>
+            </a:prstGeom>
+          </p:spPr>
+        </p:pic>
+      </p:grpSp>
+      <p:grpSp>
+        <p:nvGrpSpPr>
+          <p:cNvPr id="70" name="Grup 69"/>
+          <p:cNvGrpSpPr/>
+          <p:nvPr/>
+        </p:nvGrpSpPr>
+        <p:grpSpPr>
+          <a:xfrm>
+            <a:off x="2164234" y="3860234"/>
+            <a:ext cx="1511909" cy="1596960"/>
+            <a:chOff x="2174522" y="3899238"/>
+            <a:chExt cx="1511909" cy="1596960"/>
+          </a:xfrm>
+        </p:grpSpPr>
+        <p:sp>
+          <p:nvSpPr>
+            <p:cNvPr id="32" name="Metin kutusu 31"/>
+            <p:cNvSpPr txBox="1"/>
+            <p:nvPr/>
+          </p:nvSpPr>
+          <p:spPr>
+            <a:xfrm>
+              <a:off x="2174522" y="3899238"/>
+              <a:ext cx="1511909" cy="246221"/>
+            </a:xfrm>
+            <a:prstGeom prst="rect">
+              <a:avLst/>
+            </a:prstGeom>
+            <a:noFill/>
+          </p:spPr>
+          <p:txBody>
+            <a:bodyPr wrap="square" rtlCol="0">
+              <a:spAutoFit/>
+            </a:bodyPr>
+            <a:lstStyle/>
+            <a:p>
+              <a:pPr algn="ctr"/>
+              <a:r>
+                <a:rPr lang="tr-TR" sz="1000" b="1" dirty="0" err="1">
+                  <a:latin typeface="Arial" panose="020B0604020202020204" pitchFamily="34" charset="0"/>
+                  <a:cs typeface="Arial" panose="020B0604020202020204" pitchFamily="34" charset="0"/>
+                </a:rPr>
+                <a:t>NameNode</a:t>
+              </a:r>
+              <a:endParaRPr lang="en-US" sz="1000" b="1" dirty="0">
+                <a:latin typeface="Arial" panose="020B0604020202020204" pitchFamily="34" charset="0"/>
+                <a:cs typeface="Arial" panose="020B0604020202020204" pitchFamily="34" charset="0"/>
+              </a:endParaRPr>
+            </a:p>
+          </p:txBody>
+        </p:sp>
+        <p:pic>
+          <p:nvPicPr>
+            <p:cNvPr id="69" name="Resim 68"/>
+            <p:cNvPicPr>
+              <a:picLocks noChangeAspect="1"/>
+            </p:cNvPicPr>
+            <p:nvPr/>
+          </p:nvPicPr>
+          <p:blipFill>
+            <a:blip r:embed="rId5" cstate="print">
+              <a:extLst>
+                <a:ext uri="{28A0092B-C50C-407E-A947-70E740481C1C}">
+                  <a14:useLocalDpi xmlns:a14="http://schemas.microsoft.com/office/drawing/2010/main" val="0"/>
+                </a:ext>
+              </a:extLst>
+            </a:blip>
+            <a:stretch>
+              <a:fillRect/>
+            </a:stretch>
+          </p:blipFill>
+          <p:spPr>
+            <a:xfrm>
+              <a:off x="2800853" y="4178963"/>
+              <a:ext cx="852361" cy="1317235"/>
+            </a:xfrm>
+            <a:prstGeom prst="rect">
+              <a:avLst/>
+            </a:prstGeom>
+          </p:spPr>
+        </p:pic>
+      </p:grpSp>
+      <p:cxnSp>
+        <p:nvCxnSpPr>
+          <p:cNvPr id="77" name="Düz Ok Bağlayıcısı 76"/>
+          <p:cNvCxnSpPr>
+            <a:stCxn id="65" idx="1"/>
+            <a:endCxn id="68" idx="1"/>
+          </p:cNvCxnSpPr>
+          <p:nvPr/>
+        </p:nvCxnSpPr>
+        <p:spPr>
+          <a:xfrm>
+            <a:off x="1655507" y="2256205"/>
+            <a:ext cx="1428052" cy="20770"/>
+          </a:xfrm>
+          <a:prstGeom prst="straightConnector1">
+            <a:avLst/>
+          </a:prstGeom>
+          <a:ln>
+            <a:tailEnd type="triangle"/>
+          </a:ln>
+        </p:spPr>
+        <p:style>
+          <a:lnRef idx="1">
+            <a:schemeClr val="accent1"/>
+          </a:lnRef>
+          <a:fillRef idx="0">
+            <a:schemeClr val="accent1"/>
+          </a:fillRef>
+          <a:effectRef idx="0">
+            <a:schemeClr val="accent1"/>
+          </a:effectRef>
+          <a:fontRef idx="minor">
+            <a:schemeClr val="tx1"/>
+          </a:fontRef>
+        </p:style>
+      </p:cxnSp>
+      <p:pic>
+        <p:nvPicPr>
+          <p:cNvPr id="45" name="Resim 44"/>
+          <p:cNvPicPr>
+            <a:picLocks noChangeAspect="1"/>
+          </p:cNvPicPr>
+          <p:nvPr/>
+        </p:nvPicPr>
+        <p:blipFill>
+          <a:blip r:embed="rId6" cstate="print">
+            <a:extLst>
+              <a:ext uri="{28A0092B-C50C-407E-A947-70E740481C1C}">
+                <a14:useLocalDpi xmlns:a14="http://schemas.microsoft.com/office/drawing/2010/main" val="0"/>
+              </a:ext>
+            </a:extLst>
+          </a:blip>
+          <a:stretch>
+            <a:fillRect/>
+          </a:stretch>
+        </p:blipFill>
+        <p:spPr>
+          <a:xfrm>
+            <a:off x="9395694" y="1306358"/>
+            <a:ext cx="304209" cy="302308"/>
+          </a:xfrm>
+          <a:prstGeom prst="rect">
+            <a:avLst/>
+          </a:prstGeom>
+        </p:spPr>
+      </p:pic>
+      <p:pic>
+        <p:nvPicPr>
+          <p:cNvPr id="46" name="Resim 45"/>
+          <p:cNvPicPr>
+            <a:picLocks noChangeAspect="1"/>
+          </p:cNvPicPr>
+          <p:nvPr/>
+        </p:nvPicPr>
+        <p:blipFill>
+          <a:blip r:embed="rId7" cstate="print">
+            <a:extLst>
+              <a:ext uri="{28A0092B-C50C-407E-A947-70E740481C1C}">
+                <a14:useLocalDpi xmlns:a14="http://schemas.microsoft.com/office/drawing/2010/main" val="0"/>
+              </a:ext>
+            </a:extLst>
+          </a:blip>
+          <a:stretch>
+            <a:fillRect/>
+          </a:stretch>
+        </p:blipFill>
+        <p:spPr>
+          <a:xfrm>
+            <a:off x="9598487" y="1545681"/>
+            <a:ext cx="298286" cy="298286"/>
+          </a:xfrm>
+          <a:prstGeom prst="rect">
+            <a:avLst/>
+          </a:prstGeom>
+        </p:spPr>
+      </p:pic>
+      <p:pic>
+        <p:nvPicPr>
+          <p:cNvPr id="47" name="Resim 46"/>
+          <p:cNvPicPr>
+            <a:picLocks noChangeAspect="1"/>
+          </p:cNvPicPr>
+          <p:nvPr/>
+        </p:nvPicPr>
+        <p:blipFill>
+          <a:blip r:embed="rId8" cstate="print">
+            <a:extLst>
+              <a:ext uri="{28A0092B-C50C-407E-A947-70E740481C1C}">
+                <a14:useLocalDpi xmlns:a14="http://schemas.microsoft.com/office/drawing/2010/main" val="0"/>
+              </a:ext>
+            </a:extLst>
+          </a:blip>
+          <a:stretch>
+            <a:fillRect/>
+          </a:stretch>
+        </p:blipFill>
+        <p:spPr>
+          <a:xfrm>
+            <a:off x="9756615" y="1745160"/>
+            <a:ext cx="238843" cy="249589"/>
+          </a:xfrm>
+          <a:prstGeom prst="rect">
+            <a:avLst/>
+          </a:prstGeom>
+        </p:spPr>
+      </p:pic>
+      <p:pic>
+        <p:nvPicPr>
+          <p:cNvPr id="49" name="Resim 48"/>
+          <p:cNvPicPr>
+            <a:picLocks noChangeAspect="1"/>
+          </p:cNvPicPr>
+          <p:nvPr/>
+        </p:nvPicPr>
+        <p:blipFill>
+          <a:blip r:embed="rId7" cstate="print">
+            <a:extLst>
+              <a:ext uri="{28A0092B-C50C-407E-A947-70E740481C1C}">
+                <a14:useLocalDpi xmlns:a14="http://schemas.microsoft.com/office/drawing/2010/main" val="0"/>
+              </a:ext>
+            </a:extLst>
+          </a:blip>
+          <a:stretch>
+            <a:fillRect/>
+          </a:stretch>
+        </p:blipFill>
+        <p:spPr>
+          <a:xfrm>
+            <a:off x="10709367" y="2591575"/>
+            <a:ext cx="298286" cy="298286"/>
+          </a:xfrm>
+          <a:prstGeom prst="rect">
+            <a:avLst/>
+          </a:prstGeom>
+        </p:spPr>
+      </p:pic>
+      <p:pic>
+        <p:nvPicPr>
+          <p:cNvPr id="50" name="Resim 49"/>
+          <p:cNvPicPr>
+            <a:picLocks noChangeAspect="1"/>
+          </p:cNvPicPr>
+          <p:nvPr/>
+        </p:nvPicPr>
+        <p:blipFill>
+          <a:blip r:embed="rId7" cstate="print">
+            <a:extLst>
+              <a:ext uri="{28A0092B-C50C-407E-A947-70E740481C1C}">
+                <a14:useLocalDpi xmlns:a14="http://schemas.microsoft.com/office/drawing/2010/main" val="0"/>
+              </a:ext>
+            </a:extLst>
+          </a:blip>
+          <a:stretch>
+            <a:fillRect/>
+          </a:stretch>
+        </p:blipFill>
+        <p:spPr>
+          <a:xfrm>
+            <a:off x="10698081" y="4054962"/>
+            <a:ext cx="298286" cy="298286"/>
+          </a:xfrm>
+          <a:prstGeom prst="rect">
+            <a:avLst/>
+          </a:prstGeom>
+        </p:spPr>
+      </p:pic>
+      <p:pic>
+        <p:nvPicPr>
+          <p:cNvPr id="54" name="Resim 53"/>
+          <p:cNvPicPr>
+            <a:picLocks noChangeAspect="1"/>
+          </p:cNvPicPr>
+          <p:nvPr/>
+        </p:nvPicPr>
+        <p:blipFill>
+          <a:blip r:embed="rId8" cstate="print">
+            <a:extLst>
+              <a:ext uri="{28A0092B-C50C-407E-A947-70E740481C1C}">
+                <a14:useLocalDpi xmlns:a14="http://schemas.microsoft.com/office/drawing/2010/main" val="0"/>
+              </a:ext>
+            </a:extLst>
+          </a:blip>
+          <a:stretch>
+            <a:fillRect/>
+          </a:stretch>
+        </p:blipFill>
+        <p:spPr>
+          <a:xfrm>
+            <a:off x="10856209" y="4254441"/>
+            <a:ext cx="238843" cy="249589"/>
+          </a:xfrm>
+          <a:prstGeom prst="rect">
+            <a:avLst/>
+          </a:prstGeom>
+        </p:spPr>
+      </p:pic>
+      <p:pic>
+        <p:nvPicPr>
+          <p:cNvPr id="56" name="Resim 55"/>
+          <p:cNvPicPr>
+            <a:picLocks noChangeAspect="1"/>
+          </p:cNvPicPr>
+          <p:nvPr/>
+        </p:nvPicPr>
+        <p:blipFill>
+          <a:blip r:embed="rId8" cstate="print">
+            <a:extLst>
+              <a:ext uri="{28A0092B-C50C-407E-A947-70E740481C1C}">
+                <a14:useLocalDpi xmlns:a14="http://schemas.microsoft.com/office/drawing/2010/main" val="0"/>
+              </a:ext>
+            </a:extLst>
+          </a:blip>
+          <a:stretch>
+            <a:fillRect/>
+          </a:stretch>
+        </p:blipFill>
+        <p:spPr>
+          <a:xfrm>
+            <a:off x="9750902" y="5387370"/>
+            <a:ext cx="238843" cy="249589"/>
+          </a:xfrm>
+          <a:prstGeom prst="rect">
+            <a:avLst/>
+          </a:prstGeom>
+        </p:spPr>
+      </p:pic>
+      <p:grpSp>
+        <p:nvGrpSpPr>
+          <p:cNvPr id="9" name="Grup 8"/>
+          <p:cNvGrpSpPr/>
+          <p:nvPr/>
+        </p:nvGrpSpPr>
+        <p:grpSpPr>
+          <a:xfrm>
+            <a:off x="1458637" y="2036622"/>
+            <a:ext cx="345944" cy="315630"/>
+            <a:chOff x="1818290" y="2740718"/>
+            <a:chExt cx="345944" cy="315630"/>
+          </a:xfrm>
+        </p:grpSpPr>
+        <p:sp>
+          <p:nvSpPr>
+            <p:cNvPr id="3" name="Dikey Kaydırma 2"/>
+            <p:cNvSpPr/>
+            <p:nvPr/>
+          </p:nvSpPr>
+          <p:spPr>
+            <a:xfrm>
+              <a:off x="1818290" y="2740718"/>
+              <a:ext cx="345944" cy="315630"/>
+            </a:xfrm>
+            <a:prstGeom prst="verticalScroll">
+              <a:avLst/>
+            </a:prstGeom>
+          </p:spPr>
+          <p:style>
+            <a:lnRef idx="2">
+              <a:schemeClr val="accent5"/>
+            </a:lnRef>
+            <a:fillRef idx="1">
+              <a:schemeClr val="lt1"/>
+            </a:fillRef>
+            <a:effectRef idx="0">
+              <a:schemeClr val="accent5"/>
+            </a:effectRef>
+            <a:fontRef idx="minor">
+              <a:schemeClr val="dk1"/>
+            </a:fontRef>
+          </p:style>
+          <p:txBody>
+            <a:bodyPr rtlCol="0" anchor="ctr"/>
+            <a:lstStyle/>
+            <a:p>
+              <a:pPr algn="ctr"/>
+              <a:endParaRPr lang="en-US"/>
+            </a:p>
+          </p:txBody>
+        </p:sp>
+        <p:pic>
+          <p:nvPicPr>
+            <p:cNvPr id="61" name="Resim 60"/>
+            <p:cNvPicPr>
+              <a:picLocks noChangeAspect="1"/>
+            </p:cNvPicPr>
+            <p:nvPr/>
+          </p:nvPicPr>
+          <p:blipFill>
+            <a:blip r:embed="rId9" cstate="print">
+              <a:extLst>
+                <a:ext uri="{28A0092B-C50C-407E-A947-70E740481C1C}">
+                  <a14:useLocalDpi xmlns:a14="http://schemas.microsoft.com/office/drawing/2010/main" val="0"/>
+                </a:ext>
+              </a:extLst>
+            </a:blip>
+            <a:stretch>
+              <a:fillRect/>
+            </a:stretch>
+          </p:blipFill>
+          <p:spPr>
+            <a:xfrm>
+              <a:off x="1860375" y="2808498"/>
+              <a:ext cx="213986" cy="212649"/>
+            </a:xfrm>
+            <a:prstGeom prst="rect">
+              <a:avLst/>
+            </a:prstGeom>
+          </p:spPr>
+          <p:style>
+            <a:lnRef idx="2">
+              <a:schemeClr val="accent5"/>
+            </a:lnRef>
+            <a:fillRef idx="1">
+              <a:schemeClr val="lt1"/>
+            </a:fillRef>
+            <a:effectRef idx="0">
+              <a:schemeClr val="accent5"/>
+            </a:effectRef>
+            <a:fontRef idx="minor">
+              <a:schemeClr val="dk1"/>
+            </a:fontRef>
+          </p:style>
+        </p:pic>
+      </p:grpSp>
+      <p:sp>
+        <p:nvSpPr>
+          <p:cNvPr id="17" name="Dikey Kaydırma 16"/>
+          <p:cNvSpPr/>
+          <p:nvPr/>
+        </p:nvSpPr>
+        <p:spPr>
+          <a:xfrm>
+            <a:off x="2730394" y="4360478"/>
+            <a:ext cx="1130985" cy="691613"/>
+          </a:xfrm>
+          <a:prstGeom prst="verticalScroll">
+            <a:avLst/>
+          </a:prstGeom>
+        </p:spPr>
+        <p:style>
+          <a:lnRef idx="2">
+            <a:schemeClr val="accent5"/>
+          </a:lnRef>
+          <a:fillRef idx="1">
+            <a:schemeClr val="lt1"/>
+          </a:fillRef>
+          <a:effectRef idx="0">
+            <a:schemeClr val="accent5"/>
+          </a:effectRef>
+          <a:fontRef idx="minor">
+            <a:schemeClr val="dk1"/>
+          </a:fontRef>
+        </p:style>
+        <p:txBody>
+          <a:bodyPr rtlCol="0" anchor="ctr"/>
+          <a:lstStyle/>
+          <a:p>
+            <a:r>
+              <a:rPr lang="tr-TR" sz="1000" dirty="0">
+                <a:solidFill>
+                  <a:srgbClr val="0070C0"/>
+                </a:solidFill>
+              </a:rPr>
+              <a:t>DataNode-01</a:t>
+            </a:r>
+          </a:p>
+          <a:p>
+            <a:r>
+              <a:rPr lang="tr-TR" sz="1000" dirty="0">
+                <a:solidFill>
+                  <a:schemeClr val="tx1">
+                    <a:lumMod val="95000"/>
+                    <a:lumOff val="5000"/>
+                  </a:schemeClr>
+                </a:solidFill>
+              </a:rPr>
+              <a:t>Disk-1-Blok-1:Portakal</a:t>
+            </a:r>
+          </a:p>
+        </p:txBody>
+      </p:sp>
+      <p:pic>
+        <p:nvPicPr>
+          <p:cNvPr id="62" name="Resim 61"/>
+          <p:cNvPicPr>
+            <a:picLocks noChangeAspect="1"/>
+          </p:cNvPicPr>
+          <p:nvPr/>
+        </p:nvPicPr>
+        <p:blipFill>
+          <a:blip r:embed="rId6" cstate="print">
+            <a:extLst>
+              <a:ext uri="{28A0092B-C50C-407E-A947-70E740481C1C}">
+                <a14:useLocalDpi xmlns:a14="http://schemas.microsoft.com/office/drawing/2010/main" val="0"/>
+              </a:ext>
+            </a:extLst>
+          </a:blip>
+          <a:stretch>
+            <a:fillRect/>
+          </a:stretch>
+        </p:blipFill>
+        <p:spPr>
+          <a:xfrm>
+            <a:off x="9392160" y="1294986"/>
+            <a:ext cx="304209" cy="302308"/>
+          </a:xfrm>
+          <a:prstGeom prst="rect">
+            <a:avLst/>
+          </a:prstGeom>
+        </p:spPr>
+      </p:pic>
+      <p:grpSp>
+        <p:nvGrpSpPr>
+          <p:cNvPr id="63" name="Grup 62"/>
+          <p:cNvGrpSpPr/>
+          <p:nvPr/>
+        </p:nvGrpSpPr>
+        <p:grpSpPr>
+          <a:xfrm>
+            <a:off x="1465686" y="2030803"/>
+            <a:ext cx="345944" cy="315630"/>
+            <a:chOff x="1818290" y="2740718"/>
+            <a:chExt cx="345944" cy="315630"/>
+          </a:xfrm>
+        </p:grpSpPr>
+        <p:sp>
+          <p:nvSpPr>
+            <p:cNvPr id="64" name="Dikey Kaydırma 63"/>
+            <p:cNvSpPr/>
+            <p:nvPr/>
+          </p:nvSpPr>
+          <p:spPr>
+            <a:xfrm>
+              <a:off x="1818290" y="2740718"/>
+              <a:ext cx="345944" cy="315630"/>
+            </a:xfrm>
+            <a:prstGeom prst="verticalScroll">
+              <a:avLst/>
+            </a:prstGeom>
+          </p:spPr>
+          <p:style>
+            <a:lnRef idx="2">
+              <a:schemeClr val="accent5"/>
+            </a:lnRef>
+            <a:fillRef idx="1">
+              <a:schemeClr val="lt1"/>
+            </a:fillRef>
+            <a:effectRef idx="0">
+              <a:schemeClr val="accent5"/>
+            </a:effectRef>
+            <a:fontRef idx="minor">
+              <a:schemeClr val="dk1"/>
+            </a:fontRef>
+          </p:style>
+          <p:txBody>
+            <a:bodyPr rtlCol="0" anchor="ctr"/>
+            <a:lstStyle/>
+            <a:p>
+              <a:pPr algn="ctr"/>
+              <a:endParaRPr lang="en-US"/>
+            </a:p>
+          </p:txBody>
+        </p:sp>
+        <p:pic>
+          <p:nvPicPr>
+            <p:cNvPr id="66" name="Resim 65"/>
+            <p:cNvPicPr>
+              <a:picLocks noChangeAspect="1"/>
+            </p:cNvPicPr>
+            <p:nvPr/>
+          </p:nvPicPr>
+          <p:blipFill>
+            <a:blip r:embed="rId9" cstate="print">
+              <a:extLst>
+                <a:ext uri="{28A0092B-C50C-407E-A947-70E740481C1C}">
+                  <a14:useLocalDpi xmlns:a14="http://schemas.microsoft.com/office/drawing/2010/main" val="0"/>
+                </a:ext>
+              </a:extLst>
+            </a:blip>
+            <a:stretch>
+              <a:fillRect/>
+            </a:stretch>
+          </p:blipFill>
+          <p:spPr>
+            <a:xfrm>
+              <a:off x="1860375" y="2808498"/>
+              <a:ext cx="213986" cy="212649"/>
+            </a:xfrm>
+            <a:prstGeom prst="rect">
+              <a:avLst/>
+            </a:prstGeom>
+          </p:spPr>
+          <p:style>
+            <a:lnRef idx="2">
+              <a:schemeClr val="accent5"/>
+            </a:lnRef>
+            <a:fillRef idx="1">
+              <a:schemeClr val="lt1"/>
+            </a:fillRef>
+            <a:effectRef idx="0">
+              <a:schemeClr val="accent5"/>
+            </a:effectRef>
+            <a:fontRef idx="minor">
+              <a:schemeClr val="dk1"/>
+            </a:fontRef>
+          </p:style>
+        </p:pic>
+      </p:grpSp>
+      <p:pic>
+        <p:nvPicPr>
+          <p:cNvPr id="71" name="Resim 70"/>
+          <p:cNvPicPr>
+            <a:picLocks noChangeAspect="1"/>
+          </p:cNvPicPr>
+          <p:nvPr/>
+        </p:nvPicPr>
+        <p:blipFill>
+          <a:blip r:embed="rId6" cstate="print">
+            <a:extLst>
+              <a:ext uri="{28A0092B-C50C-407E-A947-70E740481C1C}">
+                <a14:useLocalDpi xmlns:a14="http://schemas.microsoft.com/office/drawing/2010/main" val="0"/>
+              </a:ext>
+            </a:extLst>
+          </a:blip>
+          <a:stretch>
+            <a:fillRect/>
+          </a:stretch>
+        </p:blipFill>
+        <p:spPr>
+          <a:xfrm>
+            <a:off x="9393169" y="1316049"/>
+            <a:ext cx="304209" cy="302308"/>
+          </a:xfrm>
+          <a:prstGeom prst="rect">
+            <a:avLst/>
+          </a:prstGeom>
+        </p:spPr>
+      </p:pic>
+      <p:pic>
+        <p:nvPicPr>
+          <p:cNvPr id="73" name="Resim 72"/>
+          <p:cNvPicPr>
+            <a:picLocks noChangeAspect="1"/>
+          </p:cNvPicPr>
+          <p:nvPr/>
+        </p:nvPicPr>
+        <p:blipFill>
+          <a:blip r:embed="rId6" cstate="print">
+            <a:extLst>
+              <a:ext uri="{28A0092B-C50C-407E-A947-70E740481C1C}">
+                <a14:useLocalDpi xmlns:a14="http://schemas.microsoft.com/office/drawing/2010/main" val="0"/>
+              </a:ext>
+            </a:extLst>
+          </a:blip>
+          <a:stretch>
+            <a:fillRect/>
+          </a:stretch>
+        </p:blipFill>
+        <p:spPr>
+          <a:xfrm>
+            <a:off x="9396703" y="1312342"/>
+            <a:ext cx="304209" cy="302308"/>
+          </a:xfrm>
+          <a:prstGeom prst="rect">
+            <a:avLst/>
+          </a:prstGeom>
+        </p:spPr>
+      </p:pic>
+      <p:pic>
+        <p:nvPicPr>
+          <p:cNvPr id="74" name="Resim 73">
+            <a:extLst>
+              <a:ext uri="{FF2B5EF4-FFF2-40B4-BE49-F238E27FC236}">
+                <a16:creationId xmlns:a16="http://schemas.microsoft.com/office/drawing/2014/main" id="{9705F669-12F2-481C-82CE-93A332A8CD2A}"/>
+              </a:ext>
+            </a:extLst>
+          </p:cNvPr>
+          <p:cNvPicPr>
+            <a:picLocks noChangeAspect="1"/>
+          </p:cNvPicPr>
+          <p:nvPr/>
+        </p:nvPicPr>
+        <p:blipFill>
+          <a:blip r:embed="rId10">
+            <a:extLst>
+              <a:ext uri="{28A0092B-C50C-407E-A947-70E740481C1C}">
+                <a14:useLocalDpi xmlns:a14="http://schemas.microsoft.com/office/drawing/2010/main" val="0"/>
+              </a:ext>
+            </a:extLst>
+          </a:blip>
+          <a:stretch>
+            <a:fillRect/>
+          </a:stretch>
+        </p:blipFill>
+        <p:spPr>
+          <a:xfrm>
+            <a:off x="340622" y="6362072"/>
+            <a:ext cx="2154700" cy="308365"/>
+          </a:xfrm>
+          <a:prstGeom prst="rect">
+            <a:avLst/>
+          </a:prstGeom>
+        </p:spPr>
+      </p:pic>
+    </p:spTree>
+    <p:extLst>
+      <p:ext uri="{BB962C8B-B14F-4D97-AF65-F5344CB8AC3E}">
+        <p14:creationId xmlns:p14="http://schemas.microsoft.com/office/powerpoint/2010/main" val="317809007"/>
+      </p:ext>
+    </p:extLst>
+  </p:cSld>
+  <p:clrMapOvr>
+    <a:masterClrMapping/>
+  </p:clrMapOvr>
+  <p:timing>
+    <p:tnLst>
+      <p:par>
+        <p:cTn id="1" dur="indefinite" restart="never" nodeType="tmRoot">
+          <p:childTnLst>
+            <p:seq concurrent="1" nextAc="seek">
+              <p:cTn id="2" dur="indefinite" nodeType="mainSeq">
+                <p:childTnLst>
+                  <p:par>
+                    <p:cTn id="3" fill="hold">
+                      <p:stCondLst>
+                        <p:cond delay="indefinite"/>
+                      </p:stCondLst>
+                      <p:childTnLst>
+                        <p:par>
+                          <p:cTn id="4" fill="hold">
+                            <p:stCondLst>
+                              <p:cond delay="0"/>
+                            </p:stCondLst>
+                            <p:childTnLst>
+                              <p:par>
+                                <p:cTn id="5" presetID="0" presetClass="path" presetSubtype="0" accel="50000" decel="50000" fill="hold" nodeType="clickEffect">
+                                  <p:stCondLst>
+                                    <p:cond delay="0"/>
+                                  </p:stCondLst>
+                                  <p:childTnLst>
+                                    <p:animMotion origin="layout" path="M 9.16667E-6 -4.07407E-6 L 0.11771 0.00857 L 0.18698 0.00857 L 0.30899 0.00417 L 0.30808 0.04676 L 0.13008 0.27963 L 0.12852 0.36042 " pathEditMode="relative" ptsTypes="AAAAAAA">
+                                      <p:cBhvr>
+                                        <p:cTn id="6" dur="2000" fill="hold"/>
+                                        <p:tgtEl>
+                                          <p:spTgt spid="9"/>
+                                        </p:tgtEl>
+                                        <p:attrNameLst>
+                                          <p:attrName>ppt_x</p:attrName>
+                                          <p:attrName>ppt_y</p:attrName>
+                                        </p:attrNameLst>
+                                      </p:cBhvr>
+                                    </p:animMotion>
+                                  </p:childTnLst>
+                                </p:cTn>
+                              </p:par>
+                            </p:childTnLst>
+                          </p:cTn>
+                        </p:par>
+                      </p:childTnLst>
+                    </p:cTn>
+                  </p:par>
+                  <p:par>
+                    <p:cTn id="7" fill="hold">
+                      <p:stCondLst>
+                        <p:cond delay="indefinite"/>
+                      </p:stCondLst>
+                      <p:childTnLst>
+                        <p:par>
+                          <p:cTn id="8" fill="hold">
+                            <p:stCondLst>
+                              <p:cond delay="0"/>
+                            </p:stCondLst>
+                            <p:childTnLst>
+                              <p:par>
+                                <p:cTn id="9" presetID="0" presetClass="path" presetSubtype="0" accel="50000" decel="50000" fill="hold" grpId="0" nodeType="clickEffect">
+                                  <p:stCondLst>
+                                    <p:cond delay="0"/>
+                                  </p:stCondLst>
+                                  <p:childTnLst>
+                                    <p:animMotion origin="layout" path="M 0 0 L 0.0017 -0.09398 L 0.178 -0.32547 L 0.17891 -0.36783 L 0.14753 -0.36204 L 0.0569 -0.35764 L -0.14166 -0.36204 " pathEditMode="relative" ptsTypes="AAAAAAA">
+                                      <p:cBhvr>
+                                        <p:cTn id="10" dur="2000" fill="hold"/>
+                                        <p:tgtEl>
+                                          <p:spTgt spid="17"/>
+                                        </p:tgtEl>
+                                        <p:attrNameLst>
+                                          <p:attrName>ppt_x</p:attrName>
+                                          <p:attrName>ppt_y</p:attrName>
+                                        </p:attrNameLst>
+                                      </p:cBhvr>
+                                    </p:animMotion>
+                                  </p:childTnLst>
+                                </p:cTn>
+                              </p:par>
+                            </p:childTnLst>
+                          </p:cTn>
+                        </p:par>
+                      </p:childTnLst>
+                    </p:cTn>
+                  </p:par>
+                  <p:par>
+                    <p:cTn id="11" fill="hold">
+                      <p:stCondLst>
+                        <p:cond delay="indefinite"/>
+                      </p:stCondLst>
+                      <p:childTnLst>
+                        <p:par>
+                          <p:cTn id="12" fill="hold">
+                            <p:stCondLst>
+                              <p:cond delay="0"/>
+                            </p:stCondLst>
+                            <p:childTnLst>
+                              <p:par>
+                                <p:cTn id="13" presetID="0" presetClass="path" presetSubtype="0" accel="50000" decel="50000" fill="hold" nodeType="clickEffect">
+                                  <p:stCondLst>
+                                    <p:cond delay="0"/>
+                                  </p:stCondLst>
+                                  <p:childTnLst>
+                                    <p:animMotion origin="layout" path="M 2.08333E-6 4.81481E-6 L 0.11367 0.01921 L 0.27604 0.01759 L 0.33698 0.01759 L 0.628 -0.11412 " pathEditMode="relative" ptsTypes="AAAAA">
+                                      <p:cBhvr>
+                                        <p:cTn id="14" dur="2000" fill="hold"/>
+                                        <p:tgtEl>
+                                          <p:spTgt spid="63"/>
+                                        </p:tgtEl>
+                                        <p:attrNameLst>
+                                          <p:attrName>ppt_x</p:attrName>
+                                          <p:attrName>ppt_y</p:attrName>
+                                        </p:attrNameLst>
+                                      </p:cBhvr>
+                                    </p:animMotion>
+                                  </p:childTnLst>
+                                  <p:subTnLst>
+                                    <p:set>
+                                      <p:cBhvr override="childStyle">
+                                        <p:cTn dur="1" fill="hold" display="0" masterRel="sameClick" afterEffect="1">
+                                          <p:stCondLst>
+                                            <p:cond evt="end" delay="0">
+                                              <p:tn val="13"/>
+                                            </p:cond>
+                                          </p:stCondLst>
+                                        </p:cTn>
+                                        <p:tgtEl>
+                                          <p:spTgt spid="63"/>
+                                        </p:tgtEl>
+                                        <p:attrNameLst>
+                                          <p:attrName>style.visibility</p:attrName>
+                                        </p:attrNameLst>
+                                      </p:cBhvr>
+                                      <p:to>
+                                        <p:strVal val="hidden"/>
+                                      </p:to>
+                                    </p:set>
+                                  </p:subTnLst>
+                                </p:cTn>
+                              </p:par>
+                            </p:childTnLst>
+                          </p:cTn>
+                        </p:par>
+                      </p:childTnLst>
+                    </p:cTn>
+                  </p:par>
+                  <p:par>
+                    <p:cTn id="15" fill="hold">
+                      <p:stCondLst>
+                        <p:cond delay="indefinite"/>
+                      </p:stCondLst>
+                      <p:childTnLst>
+                        <p:par>
+                          <p:cTn id="16" fill="hold">
+                            <p:stCondLst>
+                              <p:cond delay="0"/>
+                            </p:stCondLst>
+                            <p:childTnLst>
+                              <p:par>
+                                <p:cTn id="17" presetID="0" presetClass="path" presetSubtype="0" accel="50000" decel="50000" fill="hold" nodeType="clickEffect">
+                                  <p:stCondLst>
+                                    <p:cond delay="0"/>
+                                  </p:stCondLst>
+                                  <p:childTnLst>
+                                    <p:animMotion origin="layout" path="M -3.125E-6 4.07407E-6 L -0.05351 -0.00857 L -0.3164 0.10995 L 0.08998 0.14953 " pathEditMode="relative" rAng="0" ptsTypes="AAAA">
+                                      <p:cBhvr>
+                                        <p:cTn id="18" dur="4000" fill="hold"/>
+                                        <p:tgtEl>
+                                          <p:spTgt spid="73"/>
+                                        </p:tgtEl>
+                                        <p:attrNameLst>
+                                          <p:attrName>ppt_x</p:attrName>
+                                          <p:attrName>ppt_y</p:attrName>
+                                        </p:attrNameLst>
+                                      </p:cBhvr>
+                                      <p:rCtr x="-11328" y="7037"/>
+                                    </p:animMotion>
+                                  </p:childTnLst>
+                                </p:cTn>
+                              </p:par>
+                              <p:par>
+                                <p:cTn id="19" presetID="0" presetClass="path" presetSubtype="0" accel="50000" decel="50000" fill="hold" nodeType="withEffect">
+                                  <p:stCondLst>
+                                    <p:cond delay="0"/>
+                                  </p:stCondLst>
+                                  <p:childTnLst>
+                                    <p:animMotion origin="layout" path="M 4.79167E-6 -7.40741E-7 L -0.05026 -7.40741E-7 L -0.33203 0.12014 L -0.30899 0.12593 L -0.04701 0.52454 L 0.00989 0.53634 " pathEditMode="relative" ptsTypes="AAAAAA">
+                                      <p:cBhvr>
+                                        <p:cTn id="20" dur="4000" fill="hold"/>
+                                        <p:tgtEl>
+                                          <p:spTgt spid="71"/>
+                                        </p:tgtEl>
+                                        <p:attrNameLst>
+                                          <p:attrName>ppt_x</p:attrName>
+                                          <p:attrName>ppt_y</p:attrName>
+                                        </p:attrNameLst>
+                                      </p:cBhvr>
+                                    </p:animMotion>
+                                  </p:childTnLst>
+                                </p:cTn>
+                              </p:par>
+                            </p:childTnLst>
+                          </p:cTn>
+                        </p:par>
+                      </p:childTnLst>
+                    </p:cTn>
+                  </p:par>
+                </p:childTnLst>
+              </p:cTn>
+              <p:prevCondLst>
+                <p:cond evt="onPrev" delay="0">
+                  <p:tgtEl>
+                    <p:sldTgt/>
+                  </p:tgtEl>
+                </p:cond>
+              </p:prevCondLst>
+              <p:nextCondLst>
+                <p:cond evt="onNext" delay="0">
+                  <p:tgtEl>
+                    <p:sldTgt/>
+                  </p:tgtEl>
+                </p:cond>
+              </p:nextCondLst>
+            </p:seq>
+          </p:childTnLst>
+        </p:cTn>
+      </p:par>
+    </p:tnLst>
+    <p:bldLst>
+      <p:bldP spid="17" grpId="0" animBg="1"/>
+    </p:bldLst>
+  </p:timing>
+</p:sld>
+</file>
+
+<file path=ppt/slides/slide11.xml><?xml version="1.0" encoding="utf-8"?>
 <p:sld xmlns:a="http://schemas.openxmlformats.org/drawingml/2006/main" xmlns:r="http://schemas.openxmlformats.org/officeDocument/2006/relationships" xmlns:p="http://schemas.openxmlformats.org/presentationml/2006/main">
   <p:cSld>
     <p:spTree>
@@ -5759,7 +7875,7 @@
 </p:sld>
 </file>
 
-<file path=ppt/slides/slide11.xml><?xml version="1.0" encoding="utf-8"?>
+<file path=ppt/slides/slide12.xml><?xml version="1.0" encoding="utf-8"?>
 <p:sld xmlns:a="http://schemas.openxmlformats.org/drawingml/2006/main" xmlns:r="http://schemas.openxmlformats.org/officeDocument/2006/relationships" xmlns:p="http://schemas.openxmlformats.org/presentationml/2006/main">
   <p:cSld>
     <p:spTree>
@@ -7963,7 +10079,7 @@
 </p:sld>
 </file>
 
-<file path=ppt/slides/slide12.xml><?xml version="1.0" encoding="utf-8"?>
+<file path=ppt/slides/slide13.xml><?xml version="1.0" encoding="utf-8"?>
 <p:sld xmlns:a="http://schemas.openxmlformats.org/drawingml/2006/main" xmlns:r="http://schemas.openxmlformats.org/officeDocument/2006/relationships" xmlns:p="http://schemas.openxmlformats.org/presentationml/2006/main">
   <p:cSld>
     <p:spTree>
@@ -10431,7 +12547,7 @@
 </p:sld>
 </file>
 
-<file path=ppt/slides/slide13.xml><?xml version="1.0" encoding="utf-8"?>
+<file path=ppt/slides/slide14.xml><?xml version="1.0" encoding="utf-8"?>
 <p:sld xmlns:a="http://schemas.openxmlformats.org/drawingml/2006/main" xmlns:r="http://schemas.openxmlformats.org/officeDocument/2006/relationships" xmlns:p="http://schemas.openxmlformats.org/presentationml/2006/main">
   <p:cSld>
     <p:spTree>
@@ -14281,6 +16397,525 @@
 </file>
 
 <file path=ppt/slides/slide7.xml><?xml version="1.0" encoding="utf-8"?>
+<p:sld xmlns:a="http://schemas.openxmlformats.org/drawingml/2006/main" xmlns:r="http://schemas.openxmlformats.org/officeDocument/2006/relationships" xmlns:p="http://schemas.openxmlformats.org/presentationml/2006/main">
+  <p:cSld>
+    <p:spTree>
+      <p:nvGrpSpPr>
+        <p:cNvPr id="1" name=""/>
+        <p:cNvGrpSpPr/>
+        <p:nvPr/>
+      </p:nvGrpSpPr>
+      <p:grpSpPr>
+        <a:xfrm>
+          <a:off x="0" y="0"/>
+          <a:ext cx="0" cy="0"/>
+          <a:chOff x="0" y="0"/>
+          <a:chExt cx="0" cy="0"/>
+        </a:xfrm>
+      </p:grpSpPr>
+      <p:sp>
+        <p:nvSpPr>
+          <p:cNvPr id="3" name="Title 2"/>
+          <p:cNvSpPr>
+            <a:spLocks noGrp="1"/>
+          </p:cNvSpPr>
+          <p:nvPr>
+            <p:ph type="ctrTitle"/>
+          </p:nvPr>
+        </p:nvSpPr>
+        <p:spPr/>
+        <p:txBody>
+          <a:bodyPr/>
+          <a:lstStyle/>
+          <a:p>
+            <a:r>
+              <a:rPr lang="en-US" dirty="0"/>
+              <a:t>        Hadoop						     RDBMS</a:t>
+            </a:r>
+          </a:p>
+        </p:txBody>
+      </p:sp>
+      <p:cxnSp>
+        <p:nvCxnSpPr>
+          <p:cNvPr id="11" name="Straight Connector 10"/>
+          <p:cNvCxnSpPr/>
+          <p:nvPr/>
+        </p:nvCxnSpPr>
+        <p:spPr>
+          <a:xfrm>
+            <a:off x="6135698" y="1026160"/>
+            <a:ext cx="10163" cy="2214880"/>
+          </a:xfrm>
+          <a:prstGeom prst="line">
+            <a:avLst/>
+          </a:prstGeom>
+          <a:noFill/>
+          <a:ln w="25400" cap="flat" cmpd="sng" algn="ctr">
+            <a:solidFill>
+              <a:sysClr val="windowText" lastClr="000000"/>
+            </a:solidFill>
+            <a:prstDash val="solid"/>
+          </a:ln>
+          <a:effectLst>
+            <a:outerShdw blurRad="40000" dist="20000" dir="5400000" rotWithShape="0">
+              <a:srgbClr val="000000">
+                <a:alpha val="38000"/>
+              </a:srgbClr>
+            </a:outerShdw>
+          </a:effectLst>
+        </p:spPr>
+      </p:cxnSp>
+      <p:sp>
+        <p:nvSpPr>
+          <p:cNvPr id="12" name="TextBox 11"/>
+          <p:cNvSpPr txBox="1"/>
+          <p:nvPr/>
+        </p:nvSpPr>
+        <p:spPr>
+          <a:xfrm>
+            <a:off x="1674296" y="1127761"/>
+            <a:ext cx="4176848" cy="1477344"/>
+          </a:xfrm>
+          <a:prstGeom prst="rect">
+            <a:avLst/>
+          </a:prstGeom>
+          <a:noFill/>
+        </p:spPr>
+        <p:txBody>
+          <a:bodyPr wrap="square" lIns="91455" tIns="45728" rIns="91455" bIns="45728" rtlCol="0">
+            <a:spAutoFit/>
+          </a:bodyPr>
+          <a:lstStyle/>
+          <a:p>
+            <a:pPr marL="285786" indent="-285786" defTabSz="914516">
+              <a:buFont typeface="Arial"/>
+              <a:buChar char="•"/>
+              <a:defRPr/>
+            </a:pPr>
+            <a:r>
+              <a:rPr lang="en-US" sz="1500" kern="0" dirty="0">
+                <a:solidFill>
+                  <a:sysClr val="windowText" lastClr="000000"/>
+                </a:solidFill>
+              </a:rPr>
+              <a:t>Assumes a task will require reading a significant amount of data off of a disk</a:t>
+            </a:r>
+          </a:p>
+          <a:p>
+            <a:pPr marL="285786" indent="-285786" defTabSz="914516">
+              <a:buFont typeface="Arial"/>
+              <a:buChar char="•"/>
+              <a:defRPr/>
+            </a:pPr>
+            <a:r>
+              <a:rPr lang="en-US" sz="1500" kern="0" dirty="0">
+                <a:solidFill>
+                  <a:sysClr val="windowText" lastClr="000000"/>
+                </a:solidFill>
+              </a:rPr>
+              <a:t>Does not maintain any data structure</a:t>
+            </a:r>
+          </a:p>
+          <a:p>
+            <a:pPr marL="285786" indent="-285786" defTabSz="914516">
+              <a:buFont typeface="Arial"/>
+              <a:buChar char="•"/>
+              <a:defRPr/>
+            </a:pPr>
+            <a:r>
+              <a:rPr lang="en-US" sz="1500" kern="0" dirty="0">
+                <a:solidFill>
+                  <a:sysClr val="windowText" lastClr="000000"/>
+                </a:solidFill>
+              </a:rPr>
+              <a:t>Simply reads the entire file</a:t>
+            </a:r>
+          </a:p>
+          <a:p>
+            <a:pPr marL="285786" indent="-285786" defTabSz="914516">
+              <a:buFont typeface="Arial"/>
+              <a:buChar char="•"/>
+              <a:defRPr/>
+            </a:pPr>
+            <a:r>
+              <a:rPr lang="en-US" sz="1500" kern="0" dirty="0">
+                <a:solidFill>
+                  <a:sysClr val="windowText" lastClr="000000"/>
+                </a:solidFill>
+              </a:rPr>
+              <a:t>Scales well (increase the cluster size to decrease the read time of each task)</a:t>
+            </a:r>
+          </a:p>
+        </p:txBody>
+      </p:sp>
+      <p:sp>
+        <p:nvSpPr>
+          <p:cNvPr id="13" name="TextBox 12"/>
+          <p:cNvSpPr txBox="1"/>
+          <p:nvPr/>
+        </p:nvSpPr>
+        <p:spPr>
+          <a:xfrm>
+            <a:off x="6288138" y="1473200"/>
+            <a:ext cx="4176848" cy="323182"/>
+          </a:xfrm>
+          <a:prstGeom prst="rect">
+            <a:avLst/>
+          </a:prstGeom>
+          <a:noFill/>
+        </p:spPr>
+        <p:txBody>
+          <a:bodyPr wrap="square" lIns="91455" tIns="45728" rIns="91455" bIns="45728" rtlCol="0">
+            <a:spAutoFit/>
+          </a:bodyPr>
+          <a:lstStyle/>
+          <a:p>
+            <a:pPr marL="285786" indent="-285786" defTabSz="914516">
+              <a:buFont typeface="Arial"/>
+              <a:buChar char="•"/>
+              <a:defRPr/>
+            </a:pPr>
+            <a:endParaRPr lang="en-US" sz="1500" kern="0" dirty="0">
+              <a:solidFill>
+                <a:sysClr val="windowText" lastClr="000000"/>
+              </a:solidFill>
+            </a:endParaRPr>
+          </a:p>
+        </p:txBody>
+      </p:sp>
+      <p:sp>
+        <p:nvSpPr>
+          <p:cNvPr id="14" name="TextBox 13"/>
+          <p:cNvSpPr txBox="1"/>
+          <p:nvPr/>
+        </p:nvSpPr>
+        <p:spPr>
+          <a:xfrm>
+            <a:off x="6338951" y="1158241"/>
+            <a:ext cx="4176848" cy="1246511"/>
+          </a:xfrm>
+          <a:prstGeom prst="rect">
+            <a:avLst/>
+          </a:prstGeom>
+          <a:noFill/>
+        </p:spPr>
+        <p:txBody>
+          <a:bodyPr wrap="square" lIns="91455" tIns="45728" rIns="91455" bIns="45728" rtlCol="0">
+            <a:spAutoFit/>
+          </a:bodyPr>
+          <a:lstStyle/>
+          <a:p>
+            <a:pPr marL="285786" indent="-285786" defTabSz="914516">
+              <a:buFont typeface="Arial"/>
+              <a:buChar char="•"/>
+              <a:defRPr/>
+            </a:pPr>
+            <a:r>
+              <a:rPr lang="en-US" sz="1500" kern="0" dirty="0">
+                <a:solidFill>
+                  <a:sysClr val="windowText" lastClr="000000"/>
+                </a:solidFill>
+              </a:rPr>
+              <a:t>Uses indexes to avoid reading an entire file (very fast lookups)</a:t>
+            </a:r>
+          </a:p>
+          <a:p>
+            <a:pPr marL="285786" indent="-285786" defTabSz="914516">
+              <a:buFont typeface="Arial"/>
+              <a:buChar char="•"/>
+              <a:defRPr/>
+            </a:pPr>
+            <a:r>
+              <a:rPr lang="en-US" sz="1500" kern="0" dirty="0">
+                <a:solidFill>
+                  <a:sysClr val="windowText" lastClr="000000"/>
+                </a:solidFill>
+              </a:rPr>
+              <a:t>Maintains a data structure in order to provide a fast execution layer</a:t>
+            </a:r>
+          </a:p>
+          <a:p>
+            <a:pPr marL="285786" indent="-285786" defTabSz="914516">
+              <a:buFont typeface="Arial"/>
+              <a:buChar char="•"/>
+              <a:defRPr/>
+            </a:pPr>
+            <a:r>
+              <a:rPr lang="en-US" sz="1500" kern="0" dirty="0">
+                <a:solidFill>
+                  <a:sysClr val="windowText" lastClr="000000"/>
+                </a:solidFill>
+              </a:rPr>
+              <a:t>Works well as long as the index fits in RAM</a:t>
+            </a:r>
+          </a:p>
+        </p:txBody>
+      </p:sp>
+      <p:sp>
+        <p:nvSpPr>
+          <p:cNvPr id="15" name="Document 14"/>
+          <p:cNvSpPr/>
+          <p:nvPr/>
+        </p:nvSpPr>
+        <p:spPr>
+          <a:xfrm>
+            <a:off x="5505614" y="3698240"/>
+            <a:ext cx="1239843" cy="1300480"/>
+          </a:xfrm>
+          <a:prstGeom prst="flowChartDocument">
+            <a:avLst/>
+          </a:prstGeom>
+          <a:solidFill>
+            <a:srgbClr val="244A58"/>
+          </a:solidFill>
+          <a:ln w="25400" cap="flat" cmpd="sng" algn="ctr">
+            <a:solidFill>
+              <a:srgbClr val="244A58">
+                <a:shade val="50000"/>
+              </a:srgbClr>
+            </a:solidFill>
+            <a:prstDash val="solid"/>
+          </a:ln>
+          <a:effectLst/>
+        </p:spPr>
+        <p:txBody>
+          <a:bodyPr lIns="91455" tIns="45728" rIns="91455" bIns="45728" rtlCol="0" anchor="ctr"/>
+          <a:lstStyle/>
+          <a:p>
+            <a:pPr algn="ctr" defTabSz="914516">
+              <a:defRPr/>
+            </a:pPr>
+            <a:r>
+              <a:rPr lang="en-US" sz="1500" kern="0" dirty="0">
+                <a:solidFill>
+                  <a:sysClr val="window" lastClr="FFFFFF"/>
+                </a:solidFill>
+                <a:latin typeface="Calibri"/>
+              </a:rPr>
+              <a:t>500 GB</a:t>
+            </a:r>
+          </a:p>
+          <a:p>
+            <a:pPr algn="ctr" defTabSz="914516">
+              <a:defRPr/>
+            </a:pPr>
+            <a:r>
+              <a:rPr lang="en-US" sz="1500" kern="0" dirty="0">
+                <a:solidFill>
+                  <a:sysClr val="window" lastClr="FFFFFF"/>
+                </a:solidFill>
+                <a:latin typeface="Calibri"/>
+              </a:rPr>
+              <a:t>data file</a:t>
+            </a:r>
+          </a:p>
+        </p:txBody>
+      </p:sp>
+      <p:sp>
+        <p:nvSpPr>
+          <p:cNvPr id="16" name="TextBox 15"/>
+          <p:cNvSpPr txBox="1"/>
+          <p:nvPr/>
+        </p:nvSpPr>
+        <p:spPr>
+          <a:xfrm>
+            <a:off x="1958852" y="3698241"/>
+            <a:ext cx="3252046" cy="1708176"/>
+          </a:xfrm>
+          <a:prstGeom prst="rect">
+            <a:avLst/>
+          </a:prstGeom>
+          <a:noFill/>
+        </p:spPr>
+        <p:txBody>
+          <a:bodyPr wrap="square" lIns="91455" tIns="45728" rIns="91455" bIns="45728" rtlCol="0">
+            <a:spAutoFit/>
+          </a:bodyPr>
+          <a:lstStyle/>
+          <a:p>
+            <a:pPr marL="285786" indent="-285786" defTabSz="914516">
+              <a:buFontTx/>
+              <a:buChar char="-"/>
+              <a:defRPr/>
+            </a:pPr>
+            <a:r>
+              <a:rPr lang="en-US" sz="1500" kern="0" dirty="0">
+                <a:solidFill>
+                  <a:sysClr val="windowText" lastClr="000000"/>
+                </a:solidFill>
+              </a:rPr>
+              <a:t>2,000 blocks of size 256MB</a:t>
+            </a:r>
+          </a:p>
+          <a:p>
+            <a:pPr marL="285786" indent="-285786" defTabSz="914516">
+              <a:buFontTx/>
+              <a:buChar char="-"/>
+              <a:defRPr/>
+            </a:pPr>
+            <a:r>
+              <a:rPr lang="en-US" sz="1500" kern="0" dirty="0">
+                <a:solidFill>
+                  <a:sysClr val="windowText" lastClr="000000"/>
+                </a:solidFill>
+              </a:rPr>
+              <a:t>1.9 seconds of disk read for each block</a:t>
+            </a:r>
+          </a:p>
+          <a:p>
+            <a:pPr marL="285786" indent="-285786" defTabSz="914516">
+              <a:buFontTx/>
+              <a:buChar char="-"/>
+              <a:defRPr/>
+            </a:pPr>
+            <a:r>
+              <a:rPr lang="en-US" sz="1500" kern="0" dirty="0">
+                <a:solidFill>
+                  <a:sysClr val="windowText" lastClr="000000"/>
+                </a:solidFill>
+              </a:rPr>
+              <a:t>On a 40 node cluster with eight disks on each node, it would take about 14 seconds to read the entire 500 GB</a:t>
+            </a:r>
+          </a:p>
+        </p:txBody>
+      </p:sp>
+      <p:sp>
+        <p:nvSpPr>
+          <p:cNvPr id="17" name="TextBox 16"/>
+          <p:cNvSpPr txBox="1"/>
+          <p:nvPr/>
+        </p:nvSpPr>
+        <p:spPr>
+          <a:xfrm>
+            <a:off x="7182451" y="3698241"/>
+            <a:ext cx="3028468" cy="784846"/>
+          </a:xfrm>
+          <a:prstGeom prst="rect">
+            <a:avLst/>
+          </a:prstGeom>
+          <a:noFill/>
+        </p:spPr>
+        <p:txBody>
+          <a:bodyPr wrap="square" lIns="91455" tIns="45728" rIns="91455" bIns="45728" rtlCol="0">
+            <a:spAutoFit/>
+          </a:bodyPr>
+          <a:lstStyle/>
+          <a:p>
+            <a:pPr defTabSz="914516">
+              <a:defRPr/>
+            </a:pPr>
+            <a:r>
+              <a:rPr lang="en-US" sz="1500" kern="0" dirty="0">
+                <a:solidFill>
+                  <a:sysClr val="windowText" lastClr="000000"/>
+                </a:solidFill>
+              </a:rPr>
+              <a:t>61 minutes to read this data off of a disk (assuming a transfer rate of 1,030 Mbps)</a:t>
+            </a:r>
+          </a:p>
+        </p:txBody>
+      </p:sp>
+      <p:cxnSp>
+        <p:nvCxnSpPr>
+          <p:cNvPr id="10" name="Düz Bağlayıcı 9">
+            <a:extLst>
+              <a:ext uri="{FF2B5EF4-FFF2-40B4-BE49-F238E27FC236}">
+                <a16:creationId xmlns:a16="http://schemas.microsoft.com/office/drawing/2014/main" id="{C3B5B02C-3BFE-4271-87A6-0787835863CD}"/>
+              </a:ext>
+            </a:extLst>
+          </p:cNvPr>
+          <p:cNvCxnSpPr/>
+          <p:nvPr/>
+        </p:nvCxnSpPr>
+        <p:spPr>
+          <a:xfrm>
+            <a:off x="228596" y="6166763"/>
+            <a:ext cx="11768671" cy="0"/>
+          </a:xfrm>
+          <a:prstGeom prst="line">
+            <a:avLst/>
+          </a:prstGeom>
+          <a:ln w="101600" cmpd="thickThin">
+            <a:solidFill>
+              <a:schemeClr val="accent1">
+                <a:lumMod val="75000"/>
+              </a:schemeClr>
+            </a:solidFill>
+          </a:ln>
+        </p:spPr>
+        <p:style>
+          <a:lnRef idx="1">
+            <a:schemeClr val="accent1"/>
+          </a:lnRef>
+          <a:fillRef idx="0">
+            <a:schemeClr val="accent1"/>
+          </a:fillRef>
+          <a:effectRef idx="0">
+            <a:schemeClr val="accent1"/>
+          </a:effectRef>
+          <a:fontRef idx="minor">
+            <a:schemeClr val="tx1"/>
+          </a:fontRef>
+        </p:style>
+      </p:cxnSp>
+      <p:pic>
+        <p:nvPicPr>
+          <p:cNvPr id="18" name="Resim 17">
+            <a:extLst>
+              <a:ext uri="{FF2B5EF4-FFF2-40B4-BE49-F238E27FC236}">
+                <a16:creationId xmlns:a16="http://schemas.microsoft.com/office/drawing/2014/main" id="{78B27495-261E-4164-BB4B-D62C99D98771}"/>
+              </a:ext>
+            </a:extLst>
+          </p:cNvPr>
+          <p:cNvPicPr>
+            <a:picLocks noChangeAspect="1"/>
+          </p:cNvPicPr>
+          <p:nvPr/>
+        </p:nvPicPr>
+        <p:blipFill>
+          <a:blip r:embed="rId3">
+            <a:extLst>
+              <a:ext uri="{28A0092B-C50C-407E-A947-70E740481C1C}">
+                <a14:useLocalDpi xmlns:a14="http://schemas.microsoft.com/office/drawing/2010/main" val="0"/>
+              </a:ext>
+            </a:extLst>
+          </a:blip>
+          <a:stretch>
+            <a:fillRect/>
+          </a:stretch>
+        </p:blipFill>
+        <p:spPr>
+          <a:xfrm>
+            <a:off x="340622" y="6362072"/>
+            <a:ext cx="2154700" cy="308365"/>
+          </a:xfrm>
+          <a:prstGeom prst="rect">
+            <a:avLst/>
+          </a:prstGeom>
+        </p:spPr>
+      </p:pic>
+    </p:spTree>
+    <p:extLst>
+      <p:ext uri="{BB962C8B-B14F-4D97-AF65-F5344CB8AC3E}">
+        <p14:creationId xmlns:p14="http://schemas.microsoft.com/office/powerpoint/2010/main" val="3783866877"/>
+      </p:ext>
+    </p:extLst>
+  </p:cSld>
+  <p:clrMapOvr>
+    <a:masterClrMapping/>
+  </p:clrMapOvr>
+  <mc:AlternateContent xmlns:mc="http://schemas.openxmlformats.org/markup-compatibility/2006" xmlns:p14="http://schemas.microsoft.com/office/powerpoint/2010/main">
+    <mc:Choice Requires="p14">
+      <p:transition p14:dur="0" advClick="0"/>
+    </mc:Choice>
+    <mc:Fallback xmlns="">
+      <p:transition xmlns:p14="http://schemas.microsoft.com/office/powerpoint/2010/main" advClick="0"/>
+    </mc:Fallback>
+  </mc:AlternateContent>
+</p:sld>
+</file>
+
+<file path=ppt/slides/slide8.xml><?xml version="1.0" encoding="utf-8"?>
 <p:sld xmlns:a="http://schemas.openxmlformats.org/drawingml/2006/main" xmlns:r="http://schemas.openxmlformats.org/officeDocument/2006/relationships" xmlns:p="http://schemas.openxmlformats.org/presentationml/2006/main">
   <p:cSld>
     <p:spTree>
@@ -16264,7 +18899,7 @@
 </p:sld>
 </file>
 
-<file path=ppt/slides/slide8.xml><?xml version="1.0" encoding="utf-8"?>
+<file path=ppt/slides/slide9.xml><?xml version="1.0" encoding="utf-8"?>
 <p:sld xmlns:a="http://schemas.openxmlformats.org/drawingml/2006/main" xmlns:r="http://schemas.openxmlformats.org/officeDocument/2006/relationships" xmlns:p="http://schemas.openxmlformats.org/presentationml/2006/main">
   <p:cSld>
     <p:spTree>
@@ -18021,1919 +20656,6 @@
                                       </p:to>
                                     </p:set>
                                   </p:subTnLst>
-                                </p:cTn>
-                              </p:par>
-                            </p:childTnLst>
-                          </p:cTn>
-                        </p:par>
-                      </p:childTnLst>
-                    </p:cTn>
-                  </p:par>
-                </p:childTnLst>
-              </p:cTn>
-              <p:prevCondLst>
-                <p:cond evt="onPrev" delay="0">
-                  <p:tgtEl>
-                    <p:sldTgt/>
-                  </p:tgtEl>
-                </p:cond>
-              </p:prevCondLst>
-              <p:nextCondLst>
-                <p:cond evt="onNext" delay="0">
-                  <p:tgtEl>
-                    <p:sldTgt/>
-                  </p:tgtEl>
-                </p:cond>
-              </p:nextCondLst>
-            </p:seq>
-          </p:childTnLst>
-        </p:cTn>
-      </p:par>
-    </p:tnLst>
-    <p:bldLst>
-      <p:bldP spid="17" grpId="0" animBg="1"/>
-    </p:bldLst>
-  </p:timing>
-</p:sld>
-</file>
-
-<file path=ppt/slides/slide9.xml><?xml version="1.0" encoding="utf-8"?>
-<p:sld xmlns:a="http://schemas.openxmlformats.org/drawingml/2006/main" xmlns:r="http://schemas.openxmlformats.org/officeDocument/2006/relationships" xmlns:p="http://schemas.openxmlformats.org/presentationml/2006/main">
-  <p:cSld>
-    <p:spTree>
-      <p:nvGrpSpPr>
-        <p:cNvPr id="1" name=""/>
-        <p:cNvGrpSpPr/>
-        <p:nvPr/>
-      </p:nvGrpSpPr>
-      <p:grpSpPr>
-        <a:xfrm>
-          <a:off x="0" y="0"/>
-          <a:ext cx="0" cy="0"/>
-          <a:chOff x="0" y="0"/>
-          <a:chExt cx="0" cy="0"/>
-        </a:xfrm>
-      </p:grpSpPr>
-      <p:cxnSp>
-        <p:nvCxnSpPr>
-          <p:cNvPr id="10" name="Düz Bağlayıcı 9"/>
-          <p:cNvCxnSpPr/>
-          <p:nvPr/>
-        </p:nvCxnSpPr>
-        <p:spPr>
-          <a:xfrm>
-            <a:off x="228596" y="6166763"/>
-            <a:ext cx="11768671" cy="0"/>
-          </a:xfrm>
-          <a:prstGeom prst="line">
-            <a:avLst/>
-          </a:prstGeom>
-          <a:ln w="101600" cmpd="thickThin">
-            <a:solidFill>
-              <a:schemeClr val="accent1">
-                <a:lumMod val="75000"/>
-              </a:schemeClr>
-            </a:solidFill>
-          </a:ln>
-        </p:spPr>
-        <p:style>
-          <a:lnRef idx="1">
-            <a:schemeClr val="accent1"/>
-          </a:lnRef>
-          <a:fillRef idx="0">
-            <a:schemeClr val="accent1"/>
-          </a:fillRef>
-          <a:effectRef idx="0">
-            <a:schemeClr val="accent1"/>
-          </a:effectRef>
-          <a:fontRef idx="minor">
-            <a:schemeClr val="tx1"/>
-          </a:fontRef>
-        </p:style>
-      </p:cxnSp>
-      <p:sp>
-        <p:nvSpPr>
-          <p:cNvPr id="16" name="Unvan 1"/>
-          <p:cNvSpPr>
-            <a:spLocks noGrp="1"/>
-          </p:cNvSpPr>
-          <p:nvPr>
-            <p:ph type="ctrTitle"/>
-          </p:nvPr>
-        </p:nvSpPr>
-        <p:spPr>
-          <a:xfrm>
-            <a:off x="1362574" y="71952"/>
-            <a:ext cx="9144000" cy="956733"/>
-          </a:xfrm>
-        </p:spPr>
-        <p:txBody>
-          <a:bodyPr>
-            <a:normAutofit/>
-          </a:bodyPr>
-          <a:lstStyle/>
-          <a:p>
-            <a:r>
-              <a:rPr lang="tr-TR" sz="4200" b="1" dirty="0">
-                <a:solidFill>
-                  <a:srgbClr val="CD1F26"/>
-                </a:solidFill>
-                <a:latin typeface="Arial" panose="020B0604020202020204" pitchFamily="34" charset="0"/>
-                <a:ea typeface="Verdana" panose="020B0604030504040204" pitchFamily="34" charset="0"/>
-                <a:cs typeface="Arial" panose="020B0604020202020204" pitchFamily="34" charset="0"/>
-              </a:rPr>
-              <a:t>HDFS Veri Yazma</a:t>
-            </a:r>
-            <a:endParaRPr lang="en-US" sz="4200" b="1" dirty="0">
-              <a:solidFill>
-                <a:srgbClr val="CD1F26"/>
-              </a:solidFill>
-              <a:latin typeface="Arial" panose="020B0604020202020204" pitchFamily="34" charset="0"/>
-              <a:ea typeface="Verdana" panose="020B0604030504040204" pitchFamily="34" charset="0"/>
-              <a:cs typeface="Arial" panose="020B0604020202020204" pitchFamily="34" charset="0"/>
-            </a:endParaRPr>
-          </a:p>
-        </p:txBody>
-      </p:sp>
-      <p:cxnSp>
-        <p:nvCxnSpPr>
-          <p:cNvPr id="26" name="Düz Ok Bağlayıcısı 25"/>
-          <p:cNvCxnSpPr>
-            <a:stCxn id="69" idx="0"/>
-            <a:endCxn id="39" idx="2"/>
-          </p:cNvCxnSpPr>
-          <p:nvPr/>
-        </p:nvCxnSpPr>
-        <p:spPr>
-          <a:xfrm flipV="1">
-            <a:off x="3216746" y="2513262"/>
-            <a:ext cx="2197048" cy="1626697"/>
-          </a:xfrm>
-          <a:prstGeom prst="straightConnector1">
-            <a:avLst/>
-          </a:prstGeom>
-          <a:ln>
-            <a:tailEnd type="triangle"/>
-          </a:ln>
-        </p:spPr>
-        <p:style>
-          <a:lnRef idx="1">
-            <a:schemeClr val="accent1"/>
-          </a:lnRef>
-          <a:fillRef idx="0">
-            <a:schemeClr val="accent1"/>
-          </a:fillRef>
-          <a:effectRef idx="0">
-            <a:schemeClr val="accent1"/>
-          </a:effectRef>
-          <a:fontRef idx="minor">
-            <a:schemeClr val="tx1"/>
-          </a:fontRef>
-        </p:style>
-      </p:cxnSp>
-      <p:cxnSp>
-        <p:nvCxnSpPr>
-          <p:cNvPr id="27" name="Düz Ok Bağlayıcısı 26"/>
-          <p:cNvCxnSpPr>
-            <a:stCxn id="67" idx="0"/>
-            <a:endCxn id="39" idx="2"/>
-          </p:cNvCxnSpPr>
-          <p:nvPr/>
-        </p:nvCxnSpPr>
-        <p:spPr>
-          <a:xfrm flipV="1">
-            <a:off x="4845656" y="2513262"/>
-            <a:ext cx="568138" cy="1730946"/>
-          </a:xfrm>
-          <a:prstGeom prst="straightConnector1">
-            <a:avLst/>
-          </a:prstGeom>
-          <a:ln>
-            <a:tailEnd type="triangle"/>
-          </a:ln>
-        </p:spPr>
-        <p:style>
-          <a:lnRef idx="1">
-            <a:schemeClr val="accent1"/>
-          </a:lnRef>
-          <a:fillRef idx="0">
-            <a:schemeClr val="accent1"/>
-          </a:fillRef>
-          <a:effectRef idx="0">
-            <a:schemeClr val="accent1"/>
-          </a:effectRef>
-          <a:fontRef idx="minor">
-            <a:schemeClr val="tx1"/>
-          </a:fontRef>
-        </p:style>
-      </p:cxnSp>
-      <p:cxnSp>
-        <p:nvCxnSpPr>
-          <p:cNvPr id="28" name="Düz Ok Bağlayıcısı 27"/>
-          <p:cNvCxnSpPr>
-            <a:stCxn id="24" idx="1"/>
-            <a:endCxn id="39" idx="3"/>
-          </p:cNvCxnSpPr>
-          <p:nvPr/>
-        </p:nvCxnSpPr>
-        <p:spPr>
-          <a:xfrm flipH="1" flipV="1">
-            <a:off x="5766219" y="2258586"/>
-            <a:ext cx="4339714" cy="220916"/>
-          </a:xfrm>
-          <a:prstGeom prst="straightConnector1">
-            <a:avLst/>
-          </a:prstGeom>
-          <a:ln>
-            <a:tailEnd type="triangle"/>
-          </a:ln>
-        </p:spPr>
-        <p:style>
-          <a:lnRef idx="1">
-            <a:schemeClr val="accent1"/>
-          </a:lnRef>
-          <a:fillRef idx="0">
-            <a:schemeClr val="accent1"/>
-          </a:fillRef>
-          <a:effectRef idx="0">
-            <a:schemeClr val="accent1"/>
-          </a:effectRef>
-          <a:fontRef idx="minor">
-            <a:schemeClr val="tx1"/>
-          </a:fontRef>
-        </p:style>
-      </p:cxnSp>
-      <p:cxnSp>
-        <p:nvCxnSpPr>
-          <p:cNvPr id="29" name="Düz Ok Bağlayıcısı 28"/>
-          <p:cNvCxnSpPr>
-            <a:stCxn id="68" idx="3"/>
-            <a:endCxn id="39" idx="1"/>
-          </p:cNvCxnSpPr>
-          <p:nvPr/>
-        </p:nvCxnSpPr>
-        <p:spPr>
-          <a:xfrm flipV="1">
-            <a:off x="3935920" y="2258586"/>
-            <a:ext cx="1125449" cy="18389"/>
-          </a:xfrm>
-          <a:prstGeom prst="straightConnector1">
-            <a:avLst/>
-          </a:prstGeom>
-          <a:ln>
-            <a:tailEnd type="triangle"/>
-          </a:ln>
-        </p:spPr>
-        <p:style>
-          <a:lnRef idx="1">
-            <a:schemeClr val="accent1"/>
-          </a:lnRef>
-          <a:fillRef idx="0">
-            <a:schemeClr val="accent1"/>
-          </a:fillRef>
-          <a:effectRef idx="0">
-            <a:schemeClr val="accent1"/>
-          </a:effectRef>
-          <a:fontRef idx="minor">
-            <a:schemeClr val="tx1"/>
-          </a:fontRef>
-        </p:style>
-      </p:cxnSp>
-      <p:cxnSp>
-        <p:nvCxnSpPr>
-          <p:cNvPr id="30" name="Düz Ok Bağlayıcısı 29"/>
-          <p:cNvCxnSpPr>
-            <a:stCxn id="23" idx="1"/>
-            <a:endCxn id="39" idx="3"/>
-          </p:cNvCxnSpPr>
-          <p:nvPr/>
-        </p:nvCxnSpPr>
-        <p:spPr>
-          <a:xfrm flipH="1" flipV="1">
-            <a:off x="5766219" y="2258586"/>
-            <a:ext cx="4353811" cy="1672876"/>
-          </a:xfrm>
-          <a:prstGeom prst="straightConnector1">
-            <a:avLst/>
-          </a:prstGeom>
-          <a:ln>
-            <a:tailEnd type="triangle"/>
-          </a:ln>
-        </p:spPr>
-        <p:style>
-          <a:lnRef idx="1">
-            <a:schemeClr val="accent1"/>
-          </a:lnRef>
-          <a:fillRef idx="0">
-            <a:schemeClr val="accent1"/>
-          </a:fillRef>
-          <a:effectRef idx="0">
-            <a:schemeClr val="accent1"/>
-          </a:effectRef>
-          <a:fontRef idx="minor">
-            <a:schemeClr val="tx1"/>
-          </a:fontRef>
-        </p:style>
-      </p:cxnSp>
-      <p:cxnSp>
-        <p:nvCxnSpPr>
-          <p:cNvPr id="31" name="Düz Ok Bağlayıcısı 30"/>
-          <p:cNvCxnSpPr>
-            <a:stCxn id="25" idx="1"/>
-            <a:endCxn id="39" idx="3"/>
-          </p:cNvCxnSpPr>
-          <p:nvPr/>
-        </p:nvCxnSpPr>
-        <p:spPr>
-          <a:xfrm flipH="1">
-            <a:off x="5766219" y="1426490"/>
-            <a:ext cx="3223446" cy="832096"/>
-          </a:xfrm>
-          <a:prstGeom prst="straightConnector1">
-            <a:avLst/>
-          </a:prstGeom>
-          <a:ln>
-            <a:tailEnd type="triangle"/>
-          </a:ln>
-        </p:spPr>
-        <p:style>
-          <a:lnRef idx="1">
-            <a:schemeClr val="accent1"/>
-          </a:lnRef>
-          <a:fillRef idx="0">
-            <a:schemeClr val="accent1"/>
-          </a:fillRef>
-          <a:effectRef idx="0">
-            <a:schemeClr val="accent1"/>
-          </a:effectRef>
-          <a:fontRef idx="minor">
-            <a:schemeClr val="tx1"/>
-          </a:fontRef>
-        </p:style>
-      </p:cxnSp>
-      <p:grpSp>
-        <p:nvGrpSpPr>
-          <p:cNvPr id="53" name="Grup 52"/>
-          <p:cNvGrpSpPr/>
-          <p:nvPr/>
-        </p:nvGrpSpPr>
-        <p:grpSpPr>
-          <a:xfrm>
-            <a:off x="9839067" y="3056348"/>
-            <a:ext cx="1609217" cy="1522814"/>
-            <a:chOff x="5746181" y="3773633"/>
-            <a:chExt cx="1609217" cy="1522814"/>
-          </a:xfrm>
-        </p:grpSpPr>
-        <p:pic>
-          <p:nvPicPr>
-            <p:cNvPr id="23" name="Resim 22"/>
-            <p:cNvPicPr>
-              <a:picLocks noChangeAspect="1"/>
-            </p:cNvPicPr>
-            <p:nvPr/>
-          </p:nvPicPr>
-          <p:blipFill>
-            <a:blip r:embed="rId2" cstate="print">
-              <a:extLst>
-                <a:ext uri="{28A0092B-C50C-407E-A947-70E740481C1C}">
-                  <a14:useLocalDpi xmlns:a14="http://schemas.microsoft.com/office/drawing/2010/main" val="0"/>
-                </a:ext>
-              </a:extLst>
-            </a:blip>
-            <a:stretch>
-              <a:fillRect/>
-            </a:stretch>
-          </p:blipFill>
-          <p:spPr>
-            <a:xfrm>
-              <a:off x="6027144" y="4001047"/>
-              <a:ext cx="1052512" cy="1295400"/>
-            </a:xfrm>
-            <a:prstGeom prst="rect">
-              <a:avLst/>
-            </a:prstGeom>
-            <a:solidFill>
-              <a:schemeClr val="bg1">
-                <a:lumMod val="85000"/>
-              </a:schemeClr>
-            </a:solidFill>
-          </p:spPr>
-        </p:pic>
-        <p:sp>
-          <p:nvSpPr>
-            <p:cNvPr id="35" name="Metin kutusu 34"/>
-            <p:cNvSpPr txBox="1"/>
-            <p:nvPr/>
-          </p:nvSpPr>
-          <p:spPr>
-            <a:xfrm>
-              <a:off x="5746181" y="3773633"/>
-              <a:ext cx="1609217" cy="246221"/>
-            </a:xfrm>
-            <a:prstGeom prst="rect">
-              <a:avLst/>
-            </a:prstGeom>
-            <a:noFill/>
-          </p:spPr>
-          <p:txBody>
-            <a:bodyPr wrap="square" rtlCol="0">
-              <a:spAutoFit/>
-            </a:bodyPr>
-            <a:lstStyle/>
-            <a:p>
-              <a:pPr algn="ctr"/>
-              <a:r>
-                <a:rPr lang="tr-TR" sz="1000" b="1" dirty="0">
-                  <a:latin typeface="Arial" panose="020B0604020202020204" pitchFamily="34" charset="0"/>
-                  <a:cs typeface="Arial" panose="020B0604020202020204" pitchFamily="34" charset="0"/>
-                </a:rPr>
-                <a:t>DataNode-03</a:t>
-              </a:r>
-              <a:endParaRPr lang="en-US" sz="1000" b="1" dirty="0">
-                <a:latin typeface="Arial" panose="020B0604020202020204" pitchFamily="34" charset="0"/>
-                <a:cs typeface="Arial" panose="020B0604020202020204" pitchFamily="34" charset="0"/>
-              </a:endParaRPr>
-            </a:p>
-          </p:txBody>
-        </p:sp>
-      </p:grpSp>
-      <p:grpSp>
-        <p:nvGrpSpPr>
-          <p:cNvPr id="52" name="Grup 51"/>
-          <p:cNvGrpSpPr/>
-          <p:nvPr/>
-        </p:nvGrpSpPr>
-        <p:grpSpPr>
-          <a:xfrm>
-            <a:off x="9839067" y="1608666"/>
-            <a:ext cx="1609217" cy="1518536"/>
-            <a:chOff x="6902457" y="3413220"/>
-            <a:chExt cx="1609217" cy="1518536"/>
-          </a:xfrm>
-        </p:grpSpPr>
-        <p:pic>
-          <p:nvPicPr>
-            <p:cNvPr id="24" name="Resim 23"/>
-            <p:cNvPicPr>
-              <a:picLocks noChangeAspect="1"/>
-            </p:cNvPicPr>
-            <p:nvPr/>
-          </p:nvPicPr>
-          <p:blipFill>
-            <a:blip r:embed="rId2" cstate="print">
-              <a:extLst>
-                <a:ext uri="{28A0092B-C50C-407E-A947-70E740481C1C}">
-                  <a14:useLocalDpi xmlns:a14="http://schemas.microsoft.com/office/drawing/2010/main" val="0"/>
-                </a:ext>
-              </a:extLst>
-            </a:blip>
-            <a:stretch>
-              <a:fillRect/>
-            </a:stretch>
-          </p:blipFill>
-          <p:spPr>
-            <a:xfrm>
-              <a:off x="7169323" y="3636356"/>
-              <a:ext cx="1052512" cy="1295400"/>
-            </a:xfrm>
-            <a:prstGeom prst="rect">
-              <a:avLst/>
-            </a:prstGeom>
-            <a:solidFill>
-              <a:schemeClr val="bg1">
-                <a:lumMod val="85000"/>
-              </a:schemeClr>
-            </a:solidFill>
-          </p:spPr>
-        </p:pic>
-        <p:sp>
-          <p:nvSpPr>
-            <p:cNvPr id="36" name="Metin kutusu 35"/>
-            <p:cNvSpPr txBox="1"/>
-            <p:nvPr/>
-          </p:nvSpPr>
-          <p:spPr>
-            <a:xfrm>
-              <a:off x="6902457" y="3413220"/>
-              <a:ext cx="1609217" cy="246221"/>
-            </a:xfrm>
-            <a:prstGeom prst="rect">
-              <a:avLst/>
-            </a:prstGeom>
-            <a:noFill/>
-          </p:spPr>
-          <p:txBody>
-            <a:bodyPr wrap="square" rtlCol="0">
-              <a:spAutoFit/>
-            </a:bodyPr>
-            <a:lstStyle/>
-            <a:p>
-              <a:pPr algn="ctr"/>
-              <a:r>
-                <a:rPr lang="tr-TR" sz="1000" b="1" dirty="0">
-                  <a:latin typeface="Arial" panose="020B0604020202020204" pitchFamily="34" charset="0"/>
-                  <a:cs typeface="Arial" panose="020B0604020202020204" pitchFamily="34" charset="0"/>
-                </a:rPr>
-                <a:t>DataNode-02</a:t>
-              </a:r>
-              <a:endParaRPr lang="en-US" sz="1000" b="1" dirty="0">
-                <a:latin typeface="Arial" panose="020B0604020202020204" pitchFamily="34" charset="0"/>
-                <a:cs typeface="Arial" panose="020B0604020202020204" pitchFamily="34" charset="0"/>
-              </a:endParaRPr>
-            </a:p>
-          </p:txBody>
-        </p:sp>
-      </p:grpSp>
-      <p:grpSp>
-        <p:nvGrpSpPr>
-          <p:cNvPr id="51" name="Grup 50"/>
-          <p:cNvGrpSpPr/>
-          <p:nvPr/>
-        </p:nvGrpSpPr>
-        <p:grpSpPr>
-          <a:xfrm>
-            <a:off x="8711312" y="485320"/>
-            <a:ext cx="1609217" cy="1588870"/>
-            <a:chOff x="7909038" y="2838147"/>
-            <a:chExt cx="1609217" cy="1588870"/>
-          </a:xfrm>
-        </p:grpSpPr>
-        <p:pic>
-          <p:nvPicPr>
-            <p:cNvPr id="25" name="Resim 24"/>
-            <p:cNvPicPr>
-              <a:picLocks noChangeAspect="1"/>
-            </p:cNvPicPr>
-            <p:nvPr/>
-          </p:nvPicPr>
-          <p:blipFill>
-            <a:blip r:embed="rId2" cstate="print">
-              <a:extLst>
-                <a:ext uri="{28A0092B-C50C-407E-A947-70E740481C1C}">
-                  <a14:useLocalDpi xmlns:a14="http://schemas.microsoft.com/office/drawing/2010/main" val="0"/>
-                </a:ext>
-              </a:extLst>
-            </a:blip>
-            <a:stretch>
-              <a:fillRect/>
-            </a:stretch>
-          </p:blipFill>
-          <p:spPr>
-            <a:xfrm>
-              <a:off x="8187391" y="3131617"/>
-              <a:ext cx="1052512" cy="1295400"/>
-            </a:xfrm>
-            <a:prstGeom prst="rect">
-              <a:avLst/>
-            </a:prstGeom>
-            <a:solidFill>
-              <a:schemeClr val="bg1">
-                <a:lumMod val="85000"/>
-              </a:schemeClr>
-            </a:solidFill>
-          </p:spPr>
-        </p:pic>
-        <p:sp>
-          <p:nvSpPr>
-            <p:cNvPr id="37" name="Metin kutusu 36"/>
-            <p:cNvSpPr txBox="1"/>
-            <p:nvPr/>
-          </p:nvSpPr>
-          <p:spPr>
-            <a:xfrm>
-              <a:off x="7909038" y="2838147"/>
-              <a:ext cx="1609217" cy="246221"/>
-            </a:xfrm>
-            <a:prstGeom prst="rect">
-              <a:avLst/>
-            </a:prstGeom>
-            <a:noFill/>
-          </p:spPr>
-          <p:txBody>
-            <a:bodyPr wrap="square" rtlCol="0">
-              <a:spAutoFit/>
-            </a:bodyPr>
-            <a:lstStyle/>
-            <a:p>
-              <a:pPr algn="ctr"/>
-              <a:r>
-                <a:rPr lang="tr-TR" sz="1000" b="1" dirty="0">
-                  <a:latin typeface="Arial" panose="020B0604020202020204" pitchFamily="34" charset="0"/>
-                  <a:cs typeface="Arial" panose="020B0604020202020204" pitchFamily="34" charset="0"/>
-                </a:rPr>
-                <a:t>DataNode-01</a:t>
-              </a:r>
-              <a:endParaRPr lang="en-US" sz="1000" b="1" dirty="0">
-                <a:latin typeface="Arial" panose="020B0604020202020204" pitchFamily="34" charset="0"/>
-                <a:cs typeface="Arial" panose="020B0604020202020204" pitchFamily="34" charset="0"/>
-              </a:endParaRPr>
-            </a:p>
-          </p:txBody>
-        </p:sp>
-      </p:grpSp>
-      <p:pic>
-        <p:nvPicPr>
-          <p:cNvPr id="39" name="Resim 38"/>
-          <p:cNvPicPr>
-            <a:picLocks noChangeAspect="1"/>
-          </p:cNvPicPr>
-          <p:nvPr/>
-        </p:nvPicPr>
-        <p:blipFill rotWithShape="1">
-          <a:blip r:embed="rId3" cstate="print">
-            <a:extLst>
-              <a:ext uri="{28A0092B-C50C-407E-A947-70E740481C1C}">
-                <a14:useLocalDpi xmlns:a14="http://schemas.microsoft.com/office/drawing/2010/main" val="0"/>
-              </a:ext>
-            </a:extLst>
-          </a:blip>
-          <a:srcRect l="11232" t="-1" r="9200" b="13481"/>
-          <a:stretch/>
-        </p:blipFill>
-        <p:spPr>
-          <a:xfrm>
-            <a:off x="5061369" y="2003910"/>
-            <a:ext cx="704850" cy="509352"/>
-          </a:xfrm>
-          <a:prstGeom prst="rect">
-            <a:avLst/>
-          </a:prstGeom>
-        </p:spPr>
-      </p:pic>
-      <p:grpSp>
-        <p:nvGrpSpPr>
-          <p:cNvPr id="57" name="Grup 56"/>
-          <p:cNvGrpSpPr/>
-          <p:nvPr/>
-        </p:nvGrpSpPr>
-        <p:grpSpPr>
-          <a:xfrm>
-            <a:off x="8722876" y="4176977"/>
-            <a:ext cx="1609217" cy="1522814"/>
-            <a:chOff x="5746181" y="3773633"/>
-            <a:chExt cx="1609217" cy="1522814"/>
-          </a:xfrm>
-        </p:grpSpPr>
-        <p:pic>
-          <p:nvPicPr>
-            <p:cNvPr id="58" name="Resim 57"/>
-            <p:cNvPicPr>
-              <a:picLocks noChangeAspect="1"/>
-            </p:cNvPicPr>
-            <p:nvPr/>
-          </p:nvPicPr>
-          <p:blipFill>
-            <a:blip r:embed="rId2" cstate="print">
-              <a:extLst>
-                <a:ext uri="{28A0092B-C50C-407E-A947-70E740481C1C}">
-                  <a14:useLocalDpi xmlns:a14="http://schemas.microsoft.com/office/drawing/2010/main" val="0"/>
-                </a:ext>
-              </a:extLst>
-            </a:blip>
-            <a:stretch>
-              <a:fillRect/>
-            </a:stretch>
-          </p:blipFill>
-          <p:spPr>
-            <a:xfrm>
-              <a:off x="6027144" y="4001047"/>
-              <a:ext cx="1052512" cy="1295400"/>
-            </a:xfrm>
-            <a:prstGeom prst="rect">
-              <a:avLst/>
-            </a:prstGeom>
-            <a:solidFill>
-              <a:schemeClr val="bg1">
-                <a:lumMod val="85000"/>
-              </a:schemeClr>
-            </a:solidFill>
-          </p:spPr>
-        </p:pic>
-        <p:sp>
-          <p:nvSpPr>
-            <p:cNvPr id="59" name="Metin kutusu 58"/>
-            <p:cNvSpPr txBox="1"/>
-            <p:nvPr/>
-          </p:nvSpPr>
-          <p:spPr>
-            <a:xfrm>
-              <a:off x="5746181" y="3773633"/>
-              <a:ext cx="1609217" cy="246221"/>
-            </a:xfrm>
-            <a:prstGeom prst="rect">
-              <a:avLst/>
-            </a:prstGeom>
-            <a:noFill/>
-          </p:spPr>
-          <p:txBody>
-            <a:bodyPr wrap="square" rtlCol="0">
-              <a:spAutoFit/>
-            </a:bodyPr>
-            <a:lstStyle/>
-            <a:p>
-              <a:pPr algn="ctr"/>
-              <a:r>
-                <a:rPr lang="tr-TR" sz="1000" b="1" dirty="0">
-                  <a:latin typeface="Arial" panose="020B0604020202020204" pitchFamily="34" charset="0"/>
-                  <a:cs typeface="Arial" panose="020B0604020202020204" pitchFamily="34" charset="0"/>
-                </a:rPr>
-                <a:t>DataNode-04</a:t>
-              </a:r>
-              <a:endParaRPr lang="en-US" sz="1000" b="1" dirty="0">
-                <a:latin typeface="Arial" panose="020B0604020202020204" pitchFamily="34" charset="0"/>
-                <a:cs typeface="Arial" panose="020B0604020202020204" pitchFamily="34" charset="0"/>
-              </a:endParaRPr>
-            </a:p>
-          </p:txBody>
-        </p:sp>
-      </p:grpSp>
-      <p:cxnSp>
-        <p:nvCxnSpPr>
-          <p:cNvPr id="60" name="Düz Ok Bağlayıcısı 59"/>
-          <p:cNvCxnSpPr>
-            <a:stCxn id="58" idx="1"/>
-            <a:endCxn id="39" idx="3"/>
-          </p:cNvCxnSpPr>
-          <p:nvPr/>
-        </p:nvCxnSpPr>
-        <p:spPr>
-          <a:xfrm flipH="1" flipV="1">
-            <a:off x="5766219" y="2258586"/>
-            <a:ext cx="3237620" cy="2793505"/>
-          </a:xfrm>
-          <a:prstGeom prst="straightConnector1">
-            <a:avLst/>
-          </a:prstGeom>
-          <a:ln>
-            <a:tailEnd type="triangle"/>
-          </a:ln>
-        </p:spPr>
-        <p:style>
-          <a:lnRef idx="1">
-            <a:schemeClr val="accent1"/>
-          </a:lnRef>
-          <a:fillRef idx="0">
-            <a:schemeClr val="accent1"/>
-          </a:fillRef>
-          <a:effectRef idx="0">
-            <a:schemeClr val="accent1"/>
-          </a:effectRef>
-          <a:fontRef idx="minor">
-            <a:schemeClr val="tx1"/>
-          </a:fontRef>
-        </p:style>
-      </p:cxnSp>
-      <p:pic>
-        <p:nvPicPr>
-          <p:cNvPr id="65" name="Resim 64"/>
-          <p:cNvPicPr>
-            <a:picLocks noChangeAspect="1"/>
-          </p:cNvPicPr>
-          <p:nvPr/>
-        </p:nvPicPr>
-        <p:blipFill>
-          <a:blip r:embed="rId4" cstate="print">
-            <a:extLst>
-              <a:ext uri="{28A0092B-C50C-407E-A947-70E740481C1C}">
-                <a14:useLocalDpi xmlns:a14="http://schemas.microsoft.com/office/drawing/2010/main" val="0"/>
-              </a:ext>
-            </a:extLst>
-          </a:blip>
-          <a:stretch>
-            <a:fillRect/>
-          </a:stretch>
-        </p:blipFill>
-        <p:spPr>
-          <a:xfrm flipH="1">
-            <a:off x="576210" y="1731776"/>
-            <a:ext cx="1079297" cy="1048857"/>
-          </a:xfrm>
-          <a:prstGeom prst="rect">
-            <a:avLst/>
-          </a:prstGeom>
-        </p:spPr>
-      </p:pic>
-      <p:grpSp>
-        <p:nvGrpSpPr>
-          <p:cNvPr id="72" name="Grup 71"/>
-          <p:cNvGrpSpPr/>
-          <p:nvPr/>
-        </p:nvGrpSpPr>
-        <p:grpSpPr>
-          <a:xfrm>
-            <a:off x="4419475" y="3887549"/>
-            <a:ext cx="1658446" cy="1673894"/>
-            <a:chOff x="4281604" y="3899192"/>
-            <a:chExt cx="1658446" cy="1673894"/>
-          </a:xfrm>
-        </p:grpSpPr>
-        <p:sp>
-          <p:nvSpPr>
-            <p:cNvPr id="33" name="Metin kutusu 32"/>
-            <p:cNvSpPr txBox="1"/>
-            <p:nvPr/>
-          </p:nvSpPr>
-          <p:spPr>
-            <a:xfrm>
-              <a:off x="4372808" y="3899192"/>
-              <a:ext cx="1567242" cy="400110"/>
-            </a:xfrm>
-            <a:prstGeom prst="rect">
-              <a:avLst/>
-            </a:prstGeom>
-            <a:noFill/>
-          </p:spPr>
-          <p:txBody>
-            <a:bodyPr wrap="square" rtlCol="0">
-              <a:spAutoFit/>
-            </a:bodyPr>
-            <a:lstStyle/>
-            <a:p>
-              <a:pPr algn="ctr"/>
-              <a:r>
-                <a:rPr lang="tr-TR" sz="1000" b="1" dirty="0" err="1">
-                  <a:latin typeface="Arial" panose="020B0604020202020204" pitchFamily="34" charset="0"/>
-                  <a:cs typeface="Arial" panose="020B0604020202020204" pitchFamily="34" charset="0"/>
-                </a:rPr>
-                <a:t>Secondary</a:t>
-              </a:r>
-              <a:r>
-                <a:rPr lang="tr-TR" sz="1000" b="1" dirty="0">
-                  <a:latin typeface="Arial" panose="020B0604020202020204" pitchFamily="34" charset="0"/>
-                  <a:cs typeface="Arial" panose="020B0604020202020204" pitchFamily="34" charset="0"/>
-                </a:rPr>
-                <a:t>/</a:t>
-              </a:r>
-              <a:r>
-                <a:rPr lang="tr-TR" sz="1000" b="1" dirty="0" err="1">
-                  <a:latin typeface="Arial" panose="020B0604020202020204" pitchFamily="34" charset="0"/>
-                  <a:cs typeface="Arial" panose="020B0604020202020204" pitchFamily="34" charset="0"/>
-                </a:rPr>
-                <a:t>Standby</a:t>
-              </a:r>
-              <a:br>
-                <a:rPr lang="tr-TR" sz="1000" b="1" dirty="0">
-                  <a:latin typeface="Arial" panose="020B0604020202020204" pitchFamily="34" charset="0"/>
-                  <a:cs typeface="Arial" panose="020B0604020202020204" pitchFamily="34" charset="0"/>
-                </a:rPr>
-              </a:br>
-              <a:r>
-                <a:rPr lang="tr-TR" sz="1000" b="1" dirty="0" err="1">
-                  <a:latin typeface="Arial" panose="020B0604020202020204" pitchFamily="34" charset="0"/>
-                  <a:cs typeface="Arial" panose="020B0604020202020204" pitchFamily="34" charset="0"/>
-                </a:rPr>
-                <a:t>NameNode</a:t>
-              </a:r>
-              <a:endParaRPr lang="en-US" sz="1000" b="1" dirty="0">
-                <a:latin typeface="Arial" panose="020B0604020202020204" pitchFamily="34" charset="0"/>
-                <a:cs typeface="Arial" panose="020B0604020202020204" pitchFamily="34" charset="0"/>
-              </a:endParaRPr>
-            </a:p>
-          </p:txBody>
-        </p:sp>
-        <p:pic>
-          <p:nvPicPr>
-            <p:cNvPr id="67" name="Resim 66"/>
-            <p:cNvPicPr>
-              <a:picLocks noChangeAspect="1"/>
-            </p:cNvPicPr>
-            <p:nvPr/>
-          </p:nvPicPr>
-          <p:blipFill>
-            <a:blip r:embed="rId5" cstate="print">
-              <a:extLst>
-                <a:ext uri="{28A0092B-C50C-407E-A947-70E740481C1C}">
-                  <a14:useLocalDpi xmlns:a14="http://schemas.microsoft.com/office/drawing/2010/main" val="0"/>
-                </a:ext>
-              </a:extLst>
-            </a:blip>
-            <a:stretch>
-              <a:fillRect/>
-            </a:stretch>
-          </p:blipFill>
-          <p:spPr>
-            <a:xfrm>
-              <a:off x="4281604" y="4255851"/>
-              <a:ext cx="852361" cy="1317235"/>
-            </a:xfrm>
-            <a:prstGeom prst="rect">
-              <a:avLst/>
-            </a:prstGeom>
-          </p:spPr>
-        </p:pic>
-      </p:grpSp>
-      <p:grpSp>
-        <p:nvGrpSpPr>
-          <p:cNvPr id="76" name="Grup 75"/>
-          <p:cNvGrpSpPr/>
-          <p:nvPr/>
-        </p:nvGrpSpPr>
-        <p:grpSpPr>
-          <a:xfrm>
-            <a:off x="2692292" y="1347609"/>
-            <a:ext cx="1612768" cy="1587983"/>
-            <a:chOff x="1627553" y="2074190"/>
-            <a:chExt cx="1612768" cy="1587983"/>
-          </a:xfrm>
-        </p:grpSpPr>
-        <p:sp>
-          <p:nvSpPr>
-            <p:cNvPr id="34" name="Metin kutusu 33"/>
-            <p:cNvSpPr txBox="1"/>
-            <p:nvPr/>
-          </p:nvSpPr>
-          <p:spPr>
-            <a:xfrm>
-              <a:off x="1627553" y="2074190"/>
-              <a:ext cx="1612768" cy="246221"/>
-            </a:xfrm>
-            <a:prstGeom prst="rect">
-              <a:avLst/>
-            </a:prstGeom>
-            <a:noFill/>
-          </p:spPr>
-          <p:txBody>
-            <a:bodyPr wrap="square" rtlCol="0">
-              <a:spAutoFit/>
-            </a:bodyPr>
-            <a:lstStyle/>
-            <a:p>
-              <a:pPr algn="ctr"/>
-              <a:r>
-                <a:rPr lang="tr-TR" sz="1000" b="1" dirty="0" err="1">
-                  <a:latin typeface="Arial" panose="020B0604020202020204" pitchFamily="34" charset="0"/>
-                  <a:cs typeface="Arial" panose="020B0604020202020204" pitchFamily="34" charset="0"/>
-                </a:rPr>
-                <a:t>Edge</a:t>
-              </a:r>
-              <a:r>
-                <a:rPr lang="tr-TR" sz="1000" b="1" dirty="0">
-                  <a:latin typeface="Arial" panose="020B0604020202020204" pitchFamily="34" charset="0"/>
-                  <a:cs typeface="Arial" panose="020B0604020202020204" pitchFamily="34" charset="0"/>
-                </a:rPr>
-                <a:t> </a:t>
-              </a:r>
-              <a:r>
-                <a:rPr lang="tr-TR" sz="1000" b="1" dirty="0" err="1">
-                  <a:latin typeface="Arial" panose="020B0604020202020204" pitchFamily="34" charset="0"/>
-                  <a:cs typeface="Arial" panose="020B0604020202020204" pitchFamily="34" charset="0"/>
-                </a:rPr>
-                <a:t>Node</a:t>
-              </a:r>
-              <a:endParaRPr lang="en-US" sz="1000" b="1" dirty="0">
-                <a:latin typeface="Arial" panose="020B0604020202020204" pitchFamily="34" charset="0"/>
-                <a:cs typeface="Arial" panose="020B0604020202020204" pitchFamily="34" charset="0"/>
-              </a:endParaRPr>
-            </a:p>
-          </p:txBody>
-        </p:sp>
-        <p:pic>
-          <p:nvPicPr>
-            <p:cNvPr id="68" name="Resim 67"/>
-            <p:cNvPicPr>
-              <a:picLocks noChangeAspect="1"/>
-            </p:cNvPicPr>
-            <p:nvPr/>
-          </p:nvPicPr>
-          <p:blipFill>
-            <a:blip r:embed="rId5" cstate="print">
-              <a:extLst>
-                <a:ext uri="{28A0092B-C50C-407E-A947-70E740481C1C}">
-                  <a14:useLocalDpi xmlns:a14="http://schemas.microsoft.com/office/drawing/2010/main" val="0"/>
-                </a:ext>
-              </a:extLst>
-            </a:blip>
-            <a:stretch>
-              <a:fillRect/>
-            </a:stretch>
-          </p:blipFill>
-          <p:spPr>
-            <a:xfrm>
-              <a:off x="2018820" y="2344938"/>
-              <a:ext cx="852361" cy="1317235"/>
-            </a:xfrm>
-            <a:prstGeom prst="rect">
-              <a:avLst/>
-            </a:prstGeom>
-          </p:spPr>
-        </p:pic>
-      </p:grpSp>
-      <p:grpSp>
-        <p:nvGrpSpPr>
-          <p:cNvPr id="70" name="Grup 69"/>
-          <p:cNvGrpSpPr/>
-          <p:nvPr/>
-        </p:nvGrpSpPr>
-        <p:grpSpPr>
-          <a:xfrm>
-            <a:off x="2164234" y="3860234"/>
-            <a:ext cx="1511909" cy="1596960"/>
-            <a:chOff x="2174522" y="3899238"/>
-            <a:chExt cx="1511909" cy="1596960"/>
-          </a:xfrm>
-        </p:grpSpPr>
-        <p:sp>
-          <p:nvSpPr>
-            <p:cNvPr id="32" name="Metin kutusu 31"/>
-            <p:cNvSpPr txBox="1"/>
-            <p:nvPr/>
-          </p:nvSpPr>
-          <p:spPr>
-            <a:xfrm>
-              <a:off x="2174522" y="3899238"/>
-              <a:ext cx="1511909" cy="246221"/>
-            </a:xfrm>
-            <a:prstGeom prst="rect">
-              <a:avLst/>
-            </a:prstGeom>
-            <a:noFill/>
-          </p:spPr>
-          <p:txBody>
-            <a:bodyPr wrap="square" rtlCol="0">
-              <a:spAutoFit/>
-            </a:bodyPr>
-            <a:lstStyle/>
-            <a:p>
-              <a:pPr algn="ctr"/>
-              <a:r>
-                <a:rPr lang="tr-TR" sz="1000" b="1" dirty="0" err="1">
-                  <a:latin typeface="Arial" panose="020B0604020202020204" pitchFamily="34" charset="0"/>
-                  <a:cs typeface="Arial" panose="020B0604020202020204" pitchFamily="34" charset="0"/>
-                </a:rPr>
-                <a:t>NameNode</a:t>
-              </a:r>
-              <a:endParaRPr lang="en-US" sz="1000" b="1" dirty="0">
-                <a:latin typeface="Arial" panose="020B0604020202020204" pitchFamily="34" charset="0"/>
-                <a:cs typeface="Arial" panose="020B0604020202020204" pitchFamily="34" charset="0"/>
-              </a:endParaRPr>
-            </a:p>
-          </p:txBody>
-        </p:sp>
-        <p:pic>
-          <p:nvPicPr>
-            <p:cNvPr id="69" name="Resim 68"/>
-            <p:cNvPicPr>
-              <a:picLocks noChangeAspect="1"/>
-            </p:cNvPicPr>
-            <p:nvPr/>
-          </p:nvPicPr>
-          <p:blipFill>
-            <a:blip r:embed="rId5" cstate="print">
-              <a:extLst>
-                <a:ext uri="{28A0092B-C50C-407E-A947-70E740481C1C}">
-                  <a14:useLocalDpi xmlns:a14="http://schemas.microsoft.com/office/drawing/2010/main" val="0"/>
-                </a:ext>
-              </a:extLst>
-            </a:blip>
-            <a:stretch>
-              <a:fillRect/>
-            </a:stretch>
-          </p:blipFill>
-          <p:spPr>
-            <a:xfrm>
-              <a:off x="2800853" y="4178963"/>
-              <a:ext cx="852361" cy="1317235"/>
-            </a:xfrm>
-            <a:prstGeom prst="rect">
-              <a:avLst/>
-            </a:prstGeom>
-          </p:spPr>
-        </p:pic>
-      </p:grpSp>
-      <p:cxnSp>
-        <p:nvCxnSpPr>
-          <p:cNvPr id="77" name="Düz Ok Bağlayıcısı 76"/>
-          <p:cNvCxnSpPr>
-            <a:stCxn id="65" idx="1"/>
-            <a:endCxn id="68" idx="1"/>
-          </p:cNvCxnSpPr>
-          <p:nvPr/>
-        </p:nvCxnSpPr>
-        <p:spPr>
-          <a:xfrm>
-            <a:off x="1655507" y="2256205"/>
-            <a:ext cx="1428052" cy="20770"/>
-          </a:xfrm>
-          <a:prstGeom prst="straightConnector1">
-            <a:avLst/>
-          </a:prstGeom>
-          <a:ln>
-            <a:tailEnd type="triangle"/>
-          </a:ln>
-        </p:spPr>
-        <p:style>
-          <a:lnRef idx="1">
-            <a:schemeClr val="accent1"/>
-          </a:lnRef>
-          <a:fillRef idx="0">
-            <a:schemeClr val="accent1"/>
-          </a:fillRef>
-          <a:effectRef idx="0">
-            <a:schemeClr val="accent1"/>
-          </a:effectRef>
-          <a:fontRef idx="minor">
-            <a:schemeClr val="tx1"/>
-          </a:fontRef>
-        </p:style>
-      </p:cxnSp>
-      <p:pic>
-        <p:nvPicPr>
-          <p:cNvPr id="45" name="Resim 44"/>
-          <p:cNvPicPr>
-            <a:picLocks noChangeAspect="1"/>
-          </p:cNvPicPr>
-          <p:nvPr/>
-        </p:nvPicPr>
-        <p:blipFill>
-          <a:blip r:embed="rId6" cstate="print">
-            <a:extLst>
-              <a:ext uri="{28A0092B-C50C-407E-A947-70E740481C1C}">
-                <a14:useLocalDpi xmlns:a14="http://schemas.microsoft.com/office/drawing/2010/main" val="0"/>
-              </a:ext>
-            </a:extLst>
-          </a:blip>
-          <a:stretch>
-            <a:fillRect/>
-          </a:stretch>
-        </p:blipFill>
-        <p:spPr>
-          <a:xfrm>
-            <a:off x="9395694" y="1306358"/>
-            <a:ext cx="304209" cy="302308"/>
-          </a:xfrm>
-          <a:prstGeom prst="rect">
-            <a:avLst/>
-          </a:prstGeom>
-        </p:spPr>
-      </p:pic>
-      <p:pic>
-        <p:nvPicPr>
-          <p:cNvPr id="46" name="Resim 45"/>
-          <p:cNvPicPr>
-            <a:picLocks noChangeAspect="1"/>
-          </p:cNvPicPr>
-          <p:nvPr/>
-        </p:nvPicPr>
-        <p:blipFill>
-          <a:blip r:embed="rId7" cstate="print">
-            <a:extLst>
-              <a:ext uri="{28A0092B-C50C-407E-A947-70E740481C1C}">
-                <a14:useLocalDpi xmlns:a14="http://schemas.microsoft.com/office/drawing/2010/main" val="0"/>
-              </a:ext>
-            </a:extLst>
-          </a:blip>
-          <a:stretch>
-            <a:fillRect/>
-          </a:stretch>
-        </p:blipFill>
-        <p:spPr>
-          <a:xfrm>
-            <a:off x="9598487" y="1545681"/>
-            <a:ext cx="298286" cy="298286"/>
-          </a:xfrm>
-          <a:prstGeom prst="rect">
-            <a:avLst/>
-          </a:prstGeom>
-        </p:spPr>
-      </p:pic>
-      <p:pic>
-        <p:nvPicPr>
-          <p:cNvPr id="47" name="Resim 46"/>
-          <p:cNvPicPr>
-            <a:picLocks noChangeAspect="1"/>
-          </p:cNvPicPr>
-          <p:nvPr/>
-        </p:nvPicPr>
-        <p:blipFill>
-          <a:blip r:embed="rId8" cstate="print">
-            <a:extLst>
-              <a:ext uri="{28A0092B-C50C-407E-A947-70E740481C1C}">
-                <a14:useLocalDpi xmlns:a14="http://schemas.microsoft.com/office/drawing/2010/main" val="0"/>
-              </a:ext>
-            </a:extLst>
-          </a:blip>
-          <a:stretch>
-            <a:fillRect/>
-          </a:stretch>
-        </p:blipFill>
-        <p:spPr>
-          <a:xfrm>
-            <a:off x="9756615" y="1745160"/>
-            <a:ext cx="238843" cy="249589"/>
-          </a:xfrm>
-          <a:prstGeom prst="rect">
-            <a:avLst/>
-          </a:prstGeom>
-        </p:spPr>
-      </p:pic>
-      <p:pic>
-        <p:nvPicPr>
-          <p:cNvPr id="49" name="Resim 48"/>
-          <p:cNvPicPr>
-            <a:picLocks noChangeAspect="1"/>
-          </p:cNvPicPr>
-          <p:nvPr/>
-        </p:nvPicPr>
-        <p:blipFill>
-          <a:blip r:embed="rId7" cstate="print">
-            <a:extLst>
-              <a:ext uri="{28A0092B-C50C-407E-A947-70E740481C1C}">
-                <a14:useLocalDpi xmlns:a14="http://schemas.microsoft.com/office/drawing/2010/main" val="0"/>
-              </a:ext>
-            </a:extLst>
-          </a:blip>
-          <a:stretch>
-            <a:fillRect/>
-          </a:stretch>
-        </p:blipFill>
-        <p:spPr>
-          <a:xfrm>
-            <a:off x="10709367" y="2591575"/>
-            <a:ext cx="298286" cy="298286"/>
-          </a:xfrm>
-          <a:prstGeom prst="rect">
-            <a:avLst/>
-          </a:prstGeom>
-        </p:spPr>
-      </p:pic>
-      <p:pic>
-        <p:nvPicPr>
-          <p:cNvPr id="50" name="Resim 49"/>
-          <p:cNvPicPr>
-            <a:picLocks noChangeAspect="1"/>
-          </p:cNvPicPr>
-          <p:nvPr/>
-        </p:nvPicPr>
-        <p:blipFill>
-          <a:blip r:embed="rId7" cstate="print">
-            <a:extLst>
-              <a:ext uri="{28A0092B-C50C-407E-A947-70E740481C1C}">
-                <a14:useLocalDpi xmlns:a14="http://schemas.microsoft.com/office/drawing/2010/main" val="0"/>
-              </a:ext>
-            </a:extLst>
-          </a:blip>
-          <a:stretch>
-            <a:fillRect/>
-          </a:stretch>
-        </p:blipFill>
-        <p:spPr>
-          <a:xfrm>
-            <a:off x="10698081" y="4054962"/>
-            <a:ext cx="298286" cy="298286"/>
-          </a:xfrm>
-          <a:prstGeom prst="rect">
-            <a:avLst/>
-          </a:prstGeom>
-        </p:spPr>
-      </p:pic>
-      <p:pic>
-        <p:nvPicPr>
-          <p:cNvPr id="54" name="Resim 53"/>
-          <p:cNvPicPr>
-            <a:picLocks noChangeAspect="1"/>
-          </p:cNvPicPr>
-          <p:nvPr/>
-        </p:nvPicPr>
-        <p:blipFill>
-          <a:blip r:embed="rId8" cstate="print">
-            <a:extLst>
-              <a:ext uri="{28A0092B-C50C-407E-A947-70E740481C1C}">
-                <a14:useLocalDpi xmlns:a14="http://schemas.microsoft.com/office/drawing/2010/main" val="0"/>
-              </a:ext>
-            </a:extLst>
-          </a:blip>
-          <a:stretch>
-            <a:fillRect/>
-          </a:stretch>
-        </p:blipFill>
-        <p:spPr>
-          <a:xfrm>
-            <a:off x="10856209" y="4254441"/>
-            <a:ext cx="238843" cy="249589"/>
-          </a:xfrm>
-          <a:prstGeom prst="rect">
-            <a:avLst/>
-          </a:prstGeom>
-        </p:spPr>
-      </p:pic>
-      <p:pic>
-        <p:nvPicPr>
-          <p:cNvPr id="56" name="Resim 55"/>
-          <p:cNvPicPr>
-            <a:picLocks noChangeAspect="1"/>
-          </p:cNvPicPr>
-          <p:nvPr/>
-        </p:nvPicPr>
-        <p:blipFill>
-          <a:blip r:embed="rId8" cstate="print">
-            <a:extLst>
-              <a:ext uri="{28A0092B-C50C-407E-A947-70E740481C1C}">
-                <a14:useLocalDpi xmlns:a14="http://schemas.microsoft.com/office/drawing/2010/main" val="0"/>
-              </a:ext>
-            </a:extLst>
-          </a:blip>
-          <a:stretch>
-            <a:fillRect/>
-          </a:stretch>
-        </p:blipFill>
-        <p:spPr>
-          <a:xfrm>
-            <a:off x="9750902" y="5387370"/>
-            <a:ext cx="238843" cy="249589"/>
-          </a:xfrm>
-          <a:prstGeom prst="rect">
-            <a:avLst/>
-          </a:prstGeom>
-        </p:spPr>
-      </p:pic>
-      <p:grpSp>
-        <p:nvGrpSpPr>
-          <p:cNvPr id="9" name="Grup 8"/>
-          <p:cNvGrpSpPr/>
-          <p:nvPr/>
-        </p:nvGrpSpPr>
-        <p:grpSpPr>
-          <a:xfrm>
-            <a:off x="1458637" y="2036622"/>
-            <a:ext cx="345944" cy="315630"/>
-            <a:chOff x="1818290" y="2740718"/>
-            <a:chExt cx="345944" cy="315630"/>
-          </a:xfrm>
-        </p:grpSpPr>
-        <p:sp>
-          <p:nvSpPr>
-            <p:cNvPr id="3" name="Dikey Kaydırma 2"/>
-            <p:cNvSpPr/>
-            <p:nvPr/>
-          </p:nvSpPr>
-          <p:spPr>
-            <a:xfrm>
-              <a:off x="1818290" y="2740718"/>
-              <a:ext cx="345944" cy="315630"/>
-            </a:xfrm>
-            <a:prstGeom prst="verticalScroll">
-              <a:avLst/>
-            </a:prstGeom>
-          </p:spPr>
-          <p:style>
-            <a:lnRef idx="2">
-              <a:schemeClr val="accent5"/>
-            </a:lnRef>
-            <a:fillRef idx="1">
-              <a:schemeClr val="lt1"/>
-            </a:fillRef>
-            <a:effectRef idx="0">
-              <a:schemeClr val="accent5"/>
-            </a:effectRef>
-            <a:fontRef idx="minor">
-              <a:schemeClr val="dk1"/>
-            </a:fontRef>
-          </p:style>
-          <p:txBody>
-            <a:bodyPr rtlCol="0" anchor="ctr"/>
-            <a:lstStyle/>
-            <a:p>
-              <a:pPr algn="ctr"/>
-              <a:endParaRPr lang="en-US"/>
-            </a:p>
-          </p:txBody>
-        </p:sp>
-        <p:pic>
-          <p:nvPicPr>
-            <p:cNvPr id="61" name="Resim 60"/>
-            <p:cNvPicPr>
-              <a:picLocks noChangeAspect="1"/>
-            </p:cNvPicPr>
-            <p:nvPr/>
-          </p:nvPicPr>
-          <p:blipFill>
-            <a:blip r:embed="rId9" cstate="print">
-              <a:extLst>
-                <a:ext uri="{28A0092B-C50C-407E-A947-70E740481C1C}">
-                  <a14:useLocalDpi xmlns:a14="http://schemas.microsoft.com/office/drawing/2010/main" val="0"/>
-                </a:ext>
-              </a:extLst>
-            </a:blip>
-            <a:stretch>
-              <a:fillRect/>
-            </a:stretch>
-          </p:blipFill>
-          <p:spPr>
-            <a:xfrm>
-              <a:off x="1860375" y="2808498"/>
-              <a:ext cx="213986" cy="212649"/>
-            </a:xfrm>
-            <a:prstGeom prst="rect">
-              <a:avLst/>
-            </a:prstGeom>
-          </p:spPr>
-          <p:style>
-            <a:lnRef idx="2">
-              <a:schemeClr val="accent5"/>
-            </a:lnRef>
-            <a:fillRef idx="1">
-              <a:schemeClr val="lt1"/>
-            </a:fillRef>
-            <a:effectRef idx="0">
-              <a:schemeClr val="accent5"/>
-            </a:effectRef>
-            <a:fontRef idx="minor">
-              <a:schemeClr val="dk1"/>
-            </a:fontRef>
-          </p:style>
-        </p:pic>
-      </p:grpSp>
-      <p:sp>
-        <p:nvSpPr>
-          <p:cNvPr id="17" name="Dikey Kaydırma 16"/>
-          <p:cNvSpPr/>
-          <p:nvPr/>
-        </p:nvSpPr>
-        <p:spPr>
-          <a:xfrm>
-            <a:off x="2730394" y="4360478"/>
-            <a:ext cx="1130985" cy="691613"/>
-          </a:xfrm>
-          <a:prstGeom prst="verticalScroll">
-            <a:avLst/>
-          </a:prstGeom>
-        </p:spPr>
-        <p:style>
-          <a:lnRef idx="2">
-            <a:schemeClr val="accent5"/>
-          </a:lnRef>
-          <a:fillRef idx="1">
-            <a:schemeClr val="lt1"/>
-          </a:fillRef>
-          <a:effectRef idx="0">
-            <a:schemeClr val="accent5"/>
-          </a:effectRef>
-          <a:fontRef idx="minor">
-            <a:schemeClr val="dk1"/>
-          </a:fontRef>
-        </p:style>
-        <p:txBody>
-          <a:bodyPr rtlCol="0" anchor="ctr"/>
-          <a:lstStyle/>
-          <a:p>
-            <a:r>
-              <a:rPr lang="tr-TR" sz="1000" dirty="0">
-                <a:solidFill>
-                  <a:srgbClr val="0070C0"/>
-                </a:solidFill>
-              </a:rPr>
-              <a:t>DataNode-01</a:t>
-            </a:r>
-          </a:p>
-          <a:p>
-            <a:r>
-              <a:rPr lang="tr-TR" sz="1000" dirty="0">
-                <a:solidFill>
-                  <a:schemeClr val="tx1">
-                    <a:lumMod val="95000"/>
-                    <a:lumOff val="5000"/>
-                  </a:schemeClr>
-                </a:solidFill>
-              </a:rPr>
-              <a:t>Disk-1-Blok-1:Portakal</a:t>
-            </a:r>
-          </a:p>
-        </p:txBody>
-      </p:sp>
-      <p:pic>
-        <p:nvPicPr>
-          <p:cNvPr id="62" name="Resim 61"/>
-          <p:cNvPicPr>
-            <a:picLocks noChangeAspect="1"/>
-          </p:cNvPicPr>
-          <p:nvPr/>
-        </p:nvPicPr>
-        <p:blipFill>
-          <a:blip r:embed="rId6" cstate="print">
-            <a:extLst>
-              <a:ext uri="{28A0092B-C50C-407E-A947-70E740481C1C}">
-                <a14:useLocalDpi xmlns:a14="http://schemas.microsoft.com/office/drawing/2010/main" val="0"/>
-              </a:ext>
-            </a:extLst>
-          </a:blip>
-          <a:stretch>
-            <a:fillRect/>
-          </a:stretch>
-        </p:blipFill>
-        <p:spPr>
-          <a:xfrm>
-            <a:off x="9392160" y="1294986"/>
-            <a:ext cx="304209" cy="302308"/>
-          </a:xfrm>
-          <a:prstGeom prst="rect">
-            <a:avLst/>
-          </a:prstGeom>
-        </p:spPr>
-      </p:pic>
-      <p:grpSp>
-        <p:nvGrpSpPr>
-          <p:cNvPr id="63" name="Grup 62"/>
-          <p:cNvGrpSpPr/>
-          <p:nvPr/>
-        </p:nvGrpSpPr>
-        <p:grpSpPr>
-          <a:xfrm>
-            <a:off x="1465686" y="2030803"/>
-            <a:ext cx="345944" cy="315630"/>
-            <a:chOff x="1818290" y="2740718"/>
-            <a:chExt cx="345944" cy="315630"/>
-          </a:xfrm>
-        </p:grpSpPr>
-        <p:sp>
-          <p:nvSpPr>
-            <p:cNvPr id="64" name="Dikey Kaydırma 63"/>
-            <p:cNvSpPr/>
-            <p:nvPr/>
-          </p:nvSpPr>
-          <p:spPr>
-            <a:xfrm>
-              <a:off x="1818290" y="2740718"/>
-              <a:ext cx="345944" cy="315630"/>
-            </a:xfrm>
-            <a:prstGeom prst="verticalScroll">
-              <a:avLst/>
-            </a:prstGeom>
-          </p:spPr>
-          <p:style>
-            <a:lnRef idx="2">
-              <a:schemeClr val="accent5"/>
-            </a:lnRef>
-            <a:fillRef idx="1">
-              <a:schemeClr val="lt1"/>
-            </a:fillRef>
-            <a:effectRef idx="0">
-              <a:schemeClr val="accent5"/>
-            </a:effectRef>
-            <a:fontRef idx="minor">
-              <a:schemeClr val="dk1"/>
-            </a:fontRef>
-          </p:style>
-          <p:txBody>
-            <a:bodyPr rtlCol="0" anchor="ctr"/>
-            <a:lstStyle/>
-            <a:p>
-              <a:pPr algn="ctr"/>
-              <a:endParaRPr lang="en-US"/>
-            </a:p>
-          </p:txBody>
-        </p:sp>
-        <p:pic>
-          <p:nvPicPr>
-            <p:cNvPr id="66" name="Resim 65"/>
-            <p:cNvPicPr>
-              <a:picLocks noChangeAspect="1"/>
-            </p:cNvPicPr>
-            <p:nvPr/>
-          </p:nvPicPr>
-          <p:blipFill>
-            <a:blip r:embed="rId9" cstate="print">
-              <a:extLst>
-                <a:ext uri="{28A0092B-C50C-407E-A947-70E740481C1C}">
-                  <a14:useLocalDpi xmlns:a14="http://schemas.microsoft.com/office/drawing/2010/main" val="0"/>
-                </a:ext>
-              </a:extLst>
-            </a:blip>
-            <a:stretch>
-              <a:fillRect/>
-            </a:stretch>
-          </p:blipFill>
-          <p:spPr>
-            <a:xfrm>
-              <a:off x="1860375" y="2808498"/>
-              <a:ext cx="213986" cy="212649"/>
-            </a:xfrm>
-            <a:prstGeom prst="rect">
-              <a:avLst/>
-            </a:prstGeom>
-          </p:spPr>
-          <p:style>
-            <a:lnRef idx="2">
-              <a:schemeClr val="accent5"/>
-            </a:lnRef>
-            <a:fillRef idx="1">
-              <a:schemeClr val="lt1"/>
-            </a:fillRef>
-            <a:effectRef idx="0">
-              <a:schemeClr val="accent5"/>
-            </a:effectRef>
-            <a:fontRef idx="minor">
-              <a:schemeClr val="dk1"/>
-            </a:fontRef>
-          </p:style>
-        </p:pic>
-      </p:grpSp>
-      <p:pic>
-        <p:nvPicPr>
-          <p:cNvPr id="71" name="Resim 70"/>
-          <p:cNvPicPr>
-            <a:picLocks noChangeAspect="1"/>
-          </p:cNvPicPr>
-          <p:nvPr/>
-        </p:nvPicPr>
-        <p:blipFill>
-          <a:blip r:embed="rId6" cstate="print">
-            <a:extLst>
-              <a:ext uri="{28A0092B-C50C-407E-A947-70E740481C1C}">
-                <a14:useLocalDpi xmlns:a14="http://schemas.microsoft.com/office/drawing/2010/main" val="0"/>
-              </a:ext>
-            </a:extLst>
-          </a:blip>
-          <a:stretch>
-            <a:fillRect/>
-          </a:stretch>
-        </p:blipFill>
-        <p:spPr>
-          <a:xfrm>
-            <a:off x="9393169" y="1316049"/>
-            <a:ext cx="304209" cy="302308"/>
-          </a:xfrm>
-          <a:prstGeom prst="rect">
-            <a:avLst/>
-          </a:prstGeom>
-        </p:spPr>
-      </p:pic>
-      <p:pic>
-        <p:nvPicPr>
-          <p:cNvPr id="73" name="Resim 72"/>
-          <p:cNvPicPr>
-            <a:picLocks noChangeAspect="1"/>
-          </p:cNvPicPr>
-          <p:nvPr/>
-        </p:nvPicPr>
-        <p:blipFill>
-          <a:blip r:embed="rId6" cstate="print">
-            <a:extLst>
-              <a:ext uri="{28A0092B-C50C-407E-A947-70E740481C1C}">
-                <a14:useLocalDpi xmlns:a14="http://schemas.microsoft.com/office/drawing/2010/main" val="0"/>
-              </a:ext>
-            </a:extLst>
-          </a:blip>
-          <a:stretch>
-            <a:fillRect/>
-          </a:stretch>
-        </p:blipFill>
-        <p:spPr>
-          <a:xfrm>
-            <a:off x="9396703" y="1312342"/>
-            <a:ext cx="304209" cy="302308"/>
-          </a:xfrm>
-          <a:prstGeom prst="rect">
-            <a:avLst/>
-          </a:prstGeom>
-        </p:spPr>
-      </p:pic>
-      <p:pic>
-        <p:nvPicPr>
-          <p:cNvPr id="74" name="Resim 73">
-            <a:extLst>
-              <a:ext uri="{FF2B5EF4-FFF2-40B4-BE49-F238E27FC236}">
-                <a16:creationId xmlns:a16="http://schemas.microsoft.com/office/drawing/2014/main" id="{9705F669-12F2-481C-82CE-93A332A8CD2A}"/>
-              </a:ext>
-            </a:extLst>
-          </p:cNvPr>
-          <p:cNvPicPr>
-            <a:picLocks noChangeAspect="1"/>
-          </p:cNvPicPr>
-          <p:nvPr/>
-        </p:nvPicPr>
-        <p:blipFill>
-          <a:blip r:embed="rId10">
-            <a:extLst>
-              <a:ext uri="{28A0092B-C50C-407E-A947-70E740481C1C}">
-                <a14:useLocalDpi xmlns:a14="http://schemas.microsoft.com/office/drawing/2010/main" val="0"/>
-              </a:ext>
-            </a:extLst>
-          </a:blip>
-          <a:stretch>
-            <a:fillRect/>
-          </a:stretch>
-        </p:blipFill>
-        <p:spPr>
-          <a:xfrm>
-            <a:off x="340622" y="6362072"/>
-            <a:ext cx="2154700" cy="308365"/>
-          </a:xfrm>
-          <a:prstGeom prst="rect">
-            <a:avLst/>
-          </a:prstGeom>
-        </p:spPr>
-      </p:pic>
-    </p:spTree>
-    <p:extLst>
-      <p:ext uri="{BB962C8B-B14F-4D97-AF65-F5344CB8AC3E}">
-        <p14:creationId xmlns:p14="http://schemas.microsoft.com/office/powerpoint/2010/main" val="317809007"/>
-      </p:ext>
-    </p:extLst>
-  </p:cSld>
-  <p:clrMapOvr>
-    <a:masterClrMapping/>
-  </p:clrMapOvr>
-  <p:timing>
-    <p:tnLst>
-      <p:par>
-        <p:cTn id="1" dur="indefinite" restart="never" nodeType="tmRoot">
-          <p:childTnLst>
-            <p:seq concurrent="1" nextAc="seek">
-              <p:cTn id="2" dur="indefinite" nodeType="mainSeq">
-                <p:childTnLst>
-                  <p:par>
-                    <p:cTn id="3" fill="hold">
-                      <p:stCondLst>
-                        <p:cond delay="indefinite"/>
-                      </p:stCondLst>
-                      <p:childTnLst>
-                        <p:par>
-                          <p:cTn id="4" fill="hold">
-                            <p:stCondLst>
-                              <p:cond delay="0"/>
-                            </p:stCondLst>
-                            <p:childTnLst>
-                              <p:par>
-                                <p:cTn id="5" presetID="0" presetClass="path" presetSubtype="0" accel="50000" decel="50000" fill="hold" nodeType="clickEffect">
-                                  <p:stCondLst>
-                                    <p:cond delay="0"/>
-                                  </p:stCondLst>
-                                  <p:childTnLst>
-                                    <p:animMotion origin="layout" path="M 9.16667E-6 -4.07407E-6 L 0.11771 0.00857 L 0.18698 0.00857 L 0.30899 0.00417 L 0.30808 0.04676 L 0.13008 0.27963 L 0.12852 0.36042 " pathEditMode="relative" ptsTypes="AAAAAAA">
-                                      <p:cBhvr>
-                                        <p:cTn id="6" dur="2000" fill="hold"/>
-                                        <p:tgtEl>
-                                          <p:spTgt spid="9"/>
-                                        </p:tgtEl>
-                                        <p:attrNameLst>
-                                          <p:attrName>ppt_x</p:attrName>
-                                          <p:attrName>ppt_y</p:attrName>
-                                        </p:attrNameLst>
-                                      </p:cBhvr>
-                                    </p:animMotion>
-                                  </p:childTnLst>
-                                </p:cTn>
-                              </p:par>
-                            </p:childTnLst>
-                          </p:cTn>
-                        </p:par>
-                      </p:childTnLst>
-                    </p:cTn>
-                  </p:par>
-                  <p:par>
-                    <p:cTn id="7" fill="hold">
-                      <p:stCondLst>
-                        <p:cond delay="indefinite"/>
-                      </p:stCondLst>
-                      <p:childTnLst>
-                        <p:par>
-                          <p:cTn id="8" fill="hold">
-                            <p:stCondLst>
-                              <p:cond delay="0"/>
-                            </p:stCondLst>
-                            <p:childTnLst>
-                              <p:par>
-                                <p:cTn id="9" presetID="0" presetClass="path" presetSubtype="0" accel="50000" decel="50000" fill="hold" grpId="0" nodeType="clickEffect">
-                                  <p:stCondLst>
-                                    <p:cond delay="0"/>
-                                  </p:stCondLst>
-                                  <p:childTnLst>
-                                    <p:animMotion origin="layout" path="M 0 0 L 0.0017 -0.09398 L 0.178 -0.32547 L 0.17891 -0.36783 L 0.14753 -0.36204 L 0.0569 -0.35764 L -0.14166 -0.36204 " pathEditMode="relative" ptsTypes="AAAAAAA">
-                                      <p:cBhvr>
-                                        <p:cTn id="10" dur="2000" fill="hold"/>
-                                        <p:tgtEl>
-                                          <p:spTgt spid="17"/>
-                                        </p:tgtEl>
-                                        <p:attrNameLst>
-                                          <p:attrName>ppt_x</p:attrName>
-                                          <p:attrName>ppt_y</p:attrName>
-                                        </p:attrNameLst>
-                                      </p:cBhvr>
-                                    </p:animMotion>
-                                  </p:childTnLst>
-                                </p:cTn>
-                              </p:par>
-                            </p:childTnLst>
-                          </p:cTn>
-                        </p:par>
-                      </p:childTnLst>
-                    </p:cTn>
-                  </p:par>
-                  <p:par>
-                    <p:cTn id="11" fill="hold">
-                      <p:stCondLst>
-                        <p:cond delay="indefinite"/>
-                      </p:stCondLst>
-                      <p:childTnLst>
-                        <p:par>
-                          <p:cTn id="12" fill="hold">
-                            <p:stCondLst>
-                              <p:cond delay="0"/>
-                            </p:stCondLst>
-                            <p:childTnLst>
-                              <p:par>
-                                <p:cTn id="13" presetID="0" presetClass="path" presetSubtype="0" accel="50000" decel="50000" fill="hold" nodeType="clickEffect">
-                                  <p:stCondLst>
-                                    <p:cond delay="0"/>
-                                  </p:stCondLst>
-                                  <p:childTnLst>
-                                    <p:animMotion origin="layout" path="M 2.08333E-6 4.81481E-6 L 0.11367 0.01921 L 0.27604 0.01759 L 0.33698 0.01759 L 0.628 -0.11412 " pathEditMode="relative" ptsTypes="AAAAA">
-                                      <p:cBhvr>
-                                        <p:cTn id="14" dur="2000" fill="hold"/>
-                                        <p:tgtEl>
-                                          <p:spTgt spid="63"/>
-                                        </p:tgtEl>
-                                        <p:attrNameLst>
-                                          <p:attrName>ppt_x</p:attrName>
-                                          <p:attrName>ppt_y</p:attrName>
-                                        </p:attrNameLst>
-                                      </p:cBhvr>
-                                    </p:animMotion>
-                                  </p:childTnLst>
-                                  <p:subTnLst>
-                                    <p:set>
-                                      <p:cBhvr override="childStyle">
-                                        <p:cTn dur="1" fill="hold" display="0" masterRel="sameClick" afterEffect="1">
-                                          <p:stCondLst>
-                                            <p:cond evt="end" delay="0">
-                                              <p:tn val="13"/>
-                                            </p:cond>
-                                          </p:stCondLst>
-                                        </p:cTn>
-                                        <p:tgtEl>
-                                          <p:spTgt spid="63"/>
-                                        </p:tgtEl>
-                                        <p:attrNameLst>
-                                          <p:attrName>style.visibility</p:attrName>
-                                        </p:attrNameLst>
-                                      </p:cBhvr>
-                                      <p:to>
-                                        <p:strVal val="hidden"/>
-                                      </p:to>
-                                    </p:set>
-                                  </p:subTnLst>
-                                </p:cTn>
-                              </p:par>
-                            </p:childTnLst>
-                          </p:cTn>
-                        </p:par>
-                      </p:childTnLst>
-                    </p:cTn>
-                  </p:par>
-                  <p:par>
-                    <p:cTn id="15" fill="hold">
-                      <p:stCondLst>
-                        <p:cond delay="indefinite"/>
-                      </p:stCondLst>
-                      <p:childTnLst>
-                        <p:par>
-                          <p:cTn id="16" fill="hold">
-                            <p:stCondLst>
-                              <p:cond delay="0"/>
-                            </p:stCondLst>
-                            <p:childTnLst>
-                              <p:par>
-                                <p:cTn id="17" presetID="0" presetClass="path" presetSubtype="0" accel="50000" decel="50000" fill="hold" nodeType="clickEffect">
-                                  <p:stCondLst>
-                                    <p:cond delay="0"/>
-                                  </p:stCondLst>
-                                  <p:childTnLst>
-                                    <p:animMotion origin="layout" path="M -3.125E-6 4.07407E-6 L -0.05351 -0.00857 L -0.3164 0.10995 L 0.08998 0.14953 " pathEditMode="relative" rAng="0" ptsTypes="AAAA">
-                                      <p:cBhvr>
-                                        <p:cTn id="18" dur="4000" fill="hold"/>
-                                        <p:tgtEl>
-                                          <p:spTgt spid="73"/>
-                                        </p:tgtEl>
-                                        <p:attrNameLst>
-                                          <p:attrName>ppt_x</p:attrName>
-                                          <p:attrName>ppt_y</p:attrName>
-                                        </p:attrNameLst>
-                                      </p:cBhvr>
-                                      <p:rCtr x="-11328" y="7037"/>
-                                    </p:animMotion>
-                                  </p:childTnLst>
-                                </p:cTn>
-                              </p:par>
-                              <p:par>
-                                <p:cTn id="19" presetID="0" presetClass="path" presetSubtype="0" accel="50000" decel="50000" fill="hold" nodeType="withEffect">
-                                  <p:stCondLst>
-                                    <p:cond delay="0"/>
-                                  </p:stCondLst>
-                                  <p:childTnLst>
-                                    <p:animMotion origin="layout" path="M 4.79167E-6 -7.40741E-7 L -0.05026 -7.40741E-7 L -0.33203 0.12014 L -0.30899 0.12593 L -0.04701 0.52454 L 0.00989 0.53634 " pathEditMode="relative" ptsTypes="AAAAAA">
-                                      <p:cBhvr>
-                                        <p:cTn id="20" dur="4000" fill="hold"/>
-                                        <p:tgtEl>
-                                          <p:spTgt spid="71"/>
-                                        </p:tgtEl>
-                                        <p:attrNameLst>
-                                          <p:attrName>ppt_x</p:attrName>
-                                          <p:attrName>ppt_y</p:attrName>
-                                        </p:attrNameLst>
-                                      </p:cBhvr>
-                                    </p:animMotion>
-                                  </p:childTnLst>
                                 </p:cTn>
                               </p:par>
                             </p:childTnLst>
